--- a/Lecture_2_Compute_Resources/Compute_Resources.pptx
+++ b/Lecture_2_Compute_Resources/Compute_Resources.pptx
@@ -5,15 +5,22 @@
     <p:sldMasterId id="2147483660" r:id="rId1"/>
   </p:sldMasterIdLst>
   <p:notesMasterIdLst>
-    <p:notesMasterId r:id="rId8"/>
+    <p:notesMasterId r:id="rId15"/>
   </p:notesMasterIdLst>
   <p:sldIdLst>
     <p:sldId id="256" r:id="rId2"/>
     <p:sldId id="263" r:id="rId3"/>
-    <p:sldId id="260" r:id="rId4"/>
-    <p:sldId id="264" r:id="rId5"/>
-    <p:sldId id="259" r:id="rId6"/>
-    <p:sldId id="278" r:id="rId7"/>
+    <p:sldId id="283" r:id="rId4"/>
+    <p:sldId id="285" r:id="rId5"/>
+    <p:sldId id="260" r:id="rId6"/>
+    <p:sldId id="264" r:id="rId7"/>
+    <p:sldId id="259" r:id="rId8"/>
+    <p:sldId id="279" r:id="rId9"/>
+    <p:sldId id="280" r:id="rId10"/>
+    <p:sldId id="281" r:id="rId11"/>
+    <p:sldId id="278" r:id="rId12"/>
+    <p:sldId id="282" r:id="rId13"/>
+    <p:sldId id="284" r:id="rId14"/>
   </p:sldIdLst>
   <p:sldSz cx="12192000" cy="6858000"/>
   <p:notesSz cx="6858000" cy="9144000"/>
@@ -119,10 +126,17 @@
           <p14:sldIdLst>
             <p14:sldId id="256"/>
             <p14:sldId id="263"/>
+            <p14:sldId id="283"/>
+            <p14:sldId id="285"/>
             <p14:sldId id="260"/>
             <p14:sldId id="264"/>
             <p14:sldId id="259"/>
+            <p14:sldId id="279"/>
+            <p14:sldId id="280"/>
+            <p14:sldId id="281"/>
             <p14:sldId id="278"/>
+            <p14:sldId id="282"/>
+            <p14:sldId id="284"/>
           </p14:sldIdLst>
         </p14:section>
       </p14:sectionLst>
@@ -216,7 +230,7 @@
           <a:p>
             <a:fld id="{07D895DB-E61D-4CE9-9710-80DFE93F382F}" type="datetimeFigureOut">
               <a:rPr lang="en-US" smtClean="0"/>
-              <a:t>9/2/2019</a:t>
+              <a:t>10/3/2019</a:t>
             </a:fld>
             <a:endParaRPr lang="en-US"/>
           </a:p>
@@ -1205,7 +1219,7 @@
           <a:p>
             <a:fld id="{27B8273F-2766-4200-80E4-DA0439332E4F}" type="datetimeFigureOut">
               <a:rPr lang="en-US" smtClean="0"/>
-              <a:t>9/2/2019</a:t>
+              <a:t>10/3/2019</a:t>
             </a:fld>
             <a:endParaRPr lang="en-US"/>
           </a:p>
@@ -1456,7 +1470,7 @@
           <a:p>
             <a:fld id="{27B8273F-2766-4200-80E4-DA0439332E4F}" type="datetimeFigureOut">
               <a:rPr lang="en-US" smtClean="0"/>
-              <a:t>9/2/2019</a:t>
+              <a:t>10/3/2019</a:t>
             </a:fld>
             <a:endParaRPr lang="en-US"/>
           </a:p>
@@ -1770,7 +1784,7 @@
           <a:p>
             <a:fld id="{27B8273F-2766-4200-80E4-DA0439332E4F}" type="datetimeFigureOut">
               <a:rPr lang="en-US" smtClean="0"/>
-              <a:t>9/2/2019</a:t>
+              <a:t>10/3/2019</a:t>
             </a:fld>
             <a:endParaRPr lang="en-US"/>
           </a:p>
@@ -2111,7 +2125,7 @@
           <a:p>
             <a:fld id="{27B8273F-2766-4200-80E4-DA0439332E4F}" type="datetimeFigureOut">
               <a:rPr lang="en-US" smtClean="0"/>
-              <a:t>9/2/2019</a:t>
+              <a:t>10/3/2019</a:t>
             </a:fld>
             <a:endParaRPr lang="en-US"/>
           </a:p>
@@ -2425,7 +2439,7 @@
           <a:p>
             <a:fld id="{27B8273F-2766-4200-80E4-DA0439332E4F}" type="datetimeFigureOut">
               <a:rPr lang="en-US" smtClean="0"/>
-              <a:t>9/2/2019</a:t>
+              <a:t>10/3/2019</a:t>
             </a:fld>
             <a:endParaRPr lang="en-US"/>
           </a:p>
@@ -2818,7 +2832,7 @@
           <a:p>
             <a:fld id="{27B8273F-2766-4200-80E4-DA0439332E4F}" type="datetimeFigureOut">
               <a:rPr lang="en-US" smtClean="0"/>
-              <a:t>9/2/2019</a:t>
+              <a:t>10/3/2019</a:t>
             </a:fld>
             <a:endParaRPr lang="en-US"/>
           </a:p>
@@ -2988,7 +3002,7 @@
           <a:p>
             <a:fld id="{27B8273F-2766-4200-80E4-DA0439332E4F}" type="datetimeFigureOut">
               <a:rPr lang="en-US" smtClean="0"/>
-              <a:t>9/2/2019</a:t>
+              <a:t>10/3/2019</a:t>
             </a:fld>
             <a:endParaRPr lang="en-US"/>
           </a:p>
@@ -3168,7 +3182,7 @@
           <a:p>
             <a:fld id="{27B8273F-2766-4200-80E4-DA0439332E4F}" type="datetimeFigureOut">
               <a:rPr lang="en-US" smtClean="0"/>
-              <a:t>9/2/2019</a:t>
+              <a:t>10/3/2019</a:t>
             </a:fld>
             <a:endParaRPr lang="en-US"/>
           </a:p>
@@ -3441,6 +3455,192 @@
 </p:sldLayout>
 </file>
 
+<file path=ppt/slideLayouts/slideLayout18.xml><?xml version="1.0" encoding="utf-8"?>
+<p:sldLayout xmlns:a="http://schemas.openxmlformats.org/drawingml/2006/main" xmlns:r="http://schemas.openxmlformats.org/officeDocument/2006/relationships" xmlns:p="http://schemas.openxmlformats.org/presentationml/2006/main" type="obj">
+  <p:cSld name="1_Title and Content">
+    <p:spTree>
+      <p:nvGrpSpPr>
+        <p:cNvPr id="1" name=""/>
+        <p:cNvGrpSpPr/>
+        <p:nvPr/>
+      </p:nvGrpSpPr>
+      <p:grpSpPr>
+        <a:xfrm>
+          <a:off x="0" y="0"/>
+          <a:ext cx="0" cy="0"/>
+          <a:chOff x="0" y="0"/>
+          <a:chExt cx="0" cy="0"/>
+        </a:xfrm>
+      </p:grpSpPr>
+      <p:sp>
+        <p:nvSpPr>
+          <p:cNvPr id="8" name="Content Placeholder 7"/>
+          <p:cNvSpPr>
+            <a:spLocks noGrp="1"/>
+          </p:cNvSpPr>
+          <p:nvPr>
+            <p:ph sz="quarter" idx="13"/>
+          </p:nvPr>
+        </p:nvSpPr>
+        <p:spPr>
+          <a:xfrm>
+            <a:off x="304800" y="1219200"/>
+            <a:ext cx="10769600" cy="4800600"/>
+          </a:xfrm>
+          <a:prstGeom prst="rect">
+            <a:avLst/>
+          </a:prstGeom>
+        </p:spPr>
+        <p:txBody>
+          <a:bodyPr/>
+          <a:lstStyle/>
+          <a:p>
+            <a:pPr lvl="0"/>
+            <a:r>
+              <a:rPr lang="en-US"/>
+              <a:t>Click to edit Master text styles</a:t>
+            </a:r>
+          </a:p>
+          <a:p>
+            <a:pPr lvl="1"/>
+            <a:r>
+              <a:rPr lang="en-US"/>
+              <a:t>Second level</a:t>
+            </a:r>
+          </a:p>
+          <a:p>
+            <a:pPr lvl="2"/>
+            <a:r>
+              <a:rPr lang="en-US"/>
+              <a:t>Third level</a:t>
+            </a:r>
+          </a:p>
+          <a:p>
+            <a:pPr lvl="3"/>
+            <a:r>
+              <a:rPr lang="en-US"/>
+              <a:t>Fourth level</a:t>
+            </a:r>
+          </a:p>
+          <a:p>
+            <a:pPr lvl="4"/>
+            <a:r>
+              <a:rPr lang="en-US"/>
+              <a:t>Fifth level</a:t>
+            </a:r>
+            <a:endParaRPr lang="en-US" dirty="0"/>
+          </a:p>
+        </p:txBody>
+      </p:sp>
+      <p:sp>
+        <p:nvSpPr>
+          <p:cNvPr id="10" name="Slide Number Placeholder 9"/>
+          <p:cNvSpPr>
+            <a:spLocks noGrp="1"/>
+          </p:cNvSpPr>
+          <p:nvPr>
+            <p:ph type="sldNum" sz="quarter" idx="15"/>
+          </p:nvPr>
+        </p:nvSpPr>
+        <p:spPr>
+          <a:xfrm>
+            <a:off x="10464800" y="6153002"/>
+            <a:ext cx="711200" cy="247799"/>
+          </a:xfrm>
+          <a:prstGeom prst="rect">
+            <a:avLst/>
+          </a:prstGeom>
+        </p:spPr>
+        <p:txBody>
+          <a:bodyPr/>
+          <a:lstStyle>
+            <a:lvl1pPr algn="ctr">
+              <a:defRPr sz="1400">
+                <a:latin typeface="Arial" pitchFamily="34" charset="0"/>
+                <a:cs typeface="Arial" pitchFamily="34" charset="0"/>
+              </a:defRPr>
+            </a:lvl1pPr>
+          </a:lstStyle>
+          <a:p>
+            <a:fld id="{5C0B3C05-BA45-4000-924A-C70B2ABC0F22}" type="slidenum">
+              <a:rPr lang="en-US" smtClean="0"/>
+              <a:t>‹#›</a:t>
+            </a:fld>
+            <a:endParaRPr lang="en-US"/>
+          </a:p>
+        </p:txBody>
+      </p:sp>
+      <p:sp>
+        <p:nvSpPr>
+          <p:cNvPr id="11" name="Footer Placeholder 10"/>
+          <p:cNvSpPr>
+            <a:spLocks noGrp="1"/>
+          </p:cNvSpPr>
+          <p:nvPr>
+            <p:ph type="ftr" sz="quarter" idx="16"/>
+          </p:nvPr>
+        </p:nvSpPr>
+        <p:spPr>
+          <a:xfrm>
+            <a:off x="6908800" y="6519116"/>
+            <a:ext cx="4064000" cy="338884"/>
+          </a:xfrm>
+          <a:prstGeom prst="rect">
+            <a:avLst/>
+          </a:prstGeom>
+        </p:spPr>
+        <p:txBody>
+          <a:bodyPr/>
+          <a:lstStyle/>
+          <a:p>
+            <a:endParaRPr lang="en-US"/>
+          </a:p>
+        </p:txBody>
+      </p:sp>
+      <p:sp>
+        <p:nvSpPr>
+          <p:cNvPr id="12" name="Title 11"/>
+          <p:cNvSpPr>
+            <a:spLocks noGrp="1"/>
+          </p:cNvSpPr>
+          <p:nvPr>
+            <p:ph type="title"/>
+          </p:nvPr>
+        </p:nvSpPr>
+        <p:spPr>
+          <a:xfrm>
+            <a:off x="304800" y="228600"/>
+            <a:ext cx="10769600" cy="914400"/>
+          </a:xfrm>
+          <a:prstGeom prst="rect">
+            <a:avLst/>
+          </a:prstGeom>
+        </p:spPr>
+        <p:txBody>
+          <a:bodyPr/>
+          <a:lstStyle/>
+          <a:p>
+            <a:r>
+              <a:rPr lang="en-US"/>
+              <a:t>Click to edit Master title style</a:t>
+            </a:r>
+            <a:endParaRPr lang="en-US" dirty="0"/>
+          </a:p>
+        </p:txBody>
+      </p:sp>
+    </p:spTree>
+    <p:extLst>
+      <p:ext uri="{BB962C8B-B14F-4D97-AF65-F5344CB8AC3E}">
+        <p14:creationId xmlns:p14="http://schemas.microsoft.com/office/powerpoint/2010/main" val="3041258052"/>
+      </p:ext>
+    </p:extLst>
+  </p:cSld>
+  <p:clrMapOvr>
+    <a:masterClrMapping/>
+  </p:clrMapOvr>
+</p:sldLayout>
+</file>
+
 <file path=ppt/slideLayouts/slideLayout2.xml><?xml version="1.0" encoding="utf-8"?>
 <p:sldLayout xmlns:a="http://schemas.openxmlformats.org/drawingml/2006/main" xmlns:r="http://schemas.openxmlformats.org/officeDocument/2006/relationships" xmlns:p="http://schemas.openxmlformats.org/presentationml/2006/main" type="obj" preserve="1">
   <p:cSld name="Title and Content">
@@ -3556,7 +3756,7 @@
           <a:p>
             <a:fld id="{27B8273F-2766-4200-80E4-DA0439332E4F}" type="datetimeFigureOut">
               <a:rPr lang="en-US" smtClean="0"/>
-              <a:t>9/2/2019</a:t>
+              <a:t>10/3/2019</a:t>
             </a:fld>
             <a:endParaRPr lang="en-US"/>
           </a:p>
@@ -3803,7 +4003,7 @@
           <a:p>
             <a:fld id="{27B8273F-2766-4200-80E4-DA0439332E4F}" type="datetimeFigureOut">
               <a:rPr lang="en-US" smtClean="0"/>
-              <a:t>9/2/2019</a:t>
+              <a:t>10/3/2019</a:t>
             </a:fld>
             <a:endParaRPr lang="en-US"/>
           </a:p>
@@ -4035,7 +4235,7 @@
           <a:p>
             <a:fld id="{27B8273F-2766-4200-80E4-DA0439332E4F}" type="datetimeFigureOut">
               <a:rPr lang="en-US" smtClean="0"/>
-              <a:t>9/2/2019</a:t>
+              <a:t>10/3/2019</a:t>
             </a:fld>
             <a:endParaRPr lang="en-US"/>
           </a:p>
@@ -4409,7 +4609,7 @@
           <a:p>
             <a:fld id="{27B8273F-2766-4200-80E4-DA0439332E4F}" type="datetimeFigureOut">
               <a:rPr lang="en-US" smtClean="0"/>
-              <a:t>9/2/2019</a:t>
+              <a:t>10/3/2019</a:t>
             </a:fld>
             <a:endParaRPr lang="en-US"/>
           </a:p>
@@ -4532,7 +4732,7 @@
           <a:p>
             <a:fld id="{27B8273F-2766-4200-80E4-DA0439332E4F}" type="datetimeFigureOut">
               <a:rPr lang="en-US" smtClean="0"/>
-              <a:t>9/2/2019</a:t>
+              <a:t>10/3/2019</a:t>
             </a:fld>
             <a:endParaRPr lang="en-US"/>
           </a:p>
@@ -4627,7 +4827,7 @@
           <a:p>
             <a:fld id="{27B8273F-2766-4200-80E4-DA0439332E4F}" type="datetimeFigureOut">
               <a:rPr lang="en-US" smtClean="0"/>
-              <a:t>9/2/2019</a:t>
+              <a:t>10/3/2019</a:t>
             </a:fld>
             <a:endParaRPr lang="en-US"/>
           </a:p>
@@ -4882,7 +5082,7 @@
           <a:p>
             <a:fld id="{27B8273F-2766-4200-80E4-DA0439332E4F}" type="datetimeFigureOut">
               <a:rPr lang="en-US" smtClean="0"/>
-              <a:t>9/2/2019</a:t>
+              <a:t>10/3/2019</a:t>
             </a:fld>
             <a:endParaRPr lang="en-US"/>
           </a:p>
@@ -5145,7 +5345,7 @@
           <a:p>
             <a:fld id="{27B8273F-2766-4200-80E4-DA0439332E4F}" type="datetimeFigureOut">
               <a:rPr lang="en-US" smtClean="0"/>
-              <a:t>9/2/2019</a:t>
+              <a:t>10/3/2019</a:t>
             </a:fld>
             <a:endParaRPr lang="en-US"/>
           </a:p>
@@ -5888,7 +6088,7 @@
           <a:p>
             <a:fld id="{27B8273F-2766-4200-80E4-DA0439332E4F}" type="datetimeFigureOut">
               <a:rPr lang="en-US" smtClean="0"/>
-              <a:t>9/2/2019</a:t>
+              <a:t>10/3/2019</a:t>
             </a:fld>
             <a:endParaRPr lang="en-US"/>
           </a:p>
@@ -5996,6 +6196,7 @@
     <p:sldLayoutId id="2147483675" r:id="rId15"/>
     <p:sldLayoutId id="2147483676" r:id="rId16"/>
     <p:sldLayoutId id="2147483677" r:id="rId17"/>
+    <p:sldLayoutId id="2147483678" r:id="rId18"/>
   </p:sldLayoutIdLst>
   <p:txStyles>
     <p:titleStyle>
@@ -6504,7 +6705,7 @@
 </p:sld>
 </file>
 
-<file path=ppt/slides/slide2.xml><?xml version="1.0" encoding="utf-8"?>
+<file path=ppt/slides/slide10.xml><?xml version="1.0" encoding="utf-8"?>
 <p:sld xmlns:a="http://schemas.openxmlformats.org/drawingml/2006/main" xmlns:r="http://schemas.openxmlformats.org/officeDocument/2006/relationships" xmlns:p="http://schemas.openxmlformats.org/presentationml/2006/main">
   <p:cSld>
     <p:spTree>
@@ -6523,553 +6724,6 @@
       </p:grpSpPr>
       <p:sp>
         <p:nvSpPr>
-          <p:cNvPr id="4" name="Title 2">
-            <a:extLst>
-              <a:ext uri="{FF2B5EF4-FFF2-40B4-BE49-F238E27FC236}">
-                <a16:creationId xmlns:a16="http://schemas.microsoft.com/office/drawing/2014/main" id="{FE3AC979-55DE-4C18-9AC9-951092525593}"/>
-              </a:ext>
-            </a:extLst>
-          </p:cNvPr>
-          <p:cNvSpPr>
-            <a:spLocks noGrp="1"/>
-          </p:cNvSpPr>
-          <p:nvPr>
-            <p:ph type="title"/>
-          </p:nvPr>
-        </p:nvSpPr>
-        <p:spPr>
-          <a:xfrm>
-            <a:off x="304800" y="228600"/>
-            <a:ext cx="10769600" cy="543739"/>
-          </a:xfrm>
-        </p:spPr>
-        <p:txBody>
-          <a:bodyPr>
-            <a:normAutofit/>
-          </a:bodyPr>
-          <a:lstStyle/>
-          <a:p>
-            <a:r>
-              <a:rPr lang="en-US" sz="2400" dirty="0">
-                <a:solidFill>
-                  <a:schemeClr val="tx1">
-                    <a:lumMod val="75000"/>
-                    <a:lumOff val="25000"/>
-                  </a:schemeClr>
-                </a:solidFill>
-                <a:latin typeface="Arial Black"/>
-              </a:rPr>
-              <a:t>EC2 / AMI Lifecycle</a:t>
-            </a:r>
-          </a:p>
-        </p:txBody>
-      </p:sp>
-      <p:sp>
-        <p:nvSpPr>
-          <p:cNvPr id="32" name="Content Placeholder 1">
-            <a:extLst>
-              <a:ext uri="{FF2B5EF4-FFF2-40B4-BE49-F238E27FC236}">
-                <a16:creationId xmlns:a16="http://schemas.microsoft.com/office/drawing/2014/main" id="{4D2D2AF7-1CE5-45A9-92E1-B45283D2468D}"/>
-              </a:ext>
-            </a:extLst>
-          </p:cNvPr>
-          <p:cNvSpPr>
-            <a:spLocks noGrp="1"/>
-          </p:cNvSpPr>
-          <p:nvPr>
-            <p:ph idx="1"/>
-          </p:nvPr>
-        </p:nvSpPr>
-        <p:spPr>
-          <a:xfrm>
-            <a:off x="304800" y="1670530"/>
-            <a:ext cx="3622753" cy="3922867"/>
-          </a:xfrm>
-        </p:spPr>
-        <p:txBody>
-          <a:bodyPr/>
-          <a:lstStyle/>
-          <a:p>
-            <a:r>
-              <a:rPr lang="en-US" dirty="0"/>
-              <a:t>Virtual machine</a:t>
-            </a:r>
-          </a:p>
-          <a:p>
-            <a:r>
-              <a:rPr lang="en-US" dirty="0"/>
-              <a:t>Machine Image (AMI)</a:t>
-            </a:r>
-          </a:p>
-          <a:p>
-            <a:r>
-              <a:rPr lang="en-US" dirty="0"/>
-              <a:t>Ephemeral storage</a:t>
-            </a:r>
-          </a:p>
-          <a:p>
-            <a:r>
-              <a:rPr lang="en-US" dirty="0"/>
-              <a:t>Type = vCPU + Mem</a:t>
-            </a:r>
-          </a:p>
-          <a:p>
-            <a:r>
-              <a:rPr lang="en-US" dirty="0"/>
-              <a:t>EBS</a:t>
-            </a:r>
-          </a:p>
-          <a:p>
-            <a:r>
-              <a:rPr lang="en-US" dirty="0"/>
-              <a:t>Tags</a:t>
-            </a:r>
-          </a:p>
-          <a:p>
-            <a:r>
-              <a:rPr lang="en-US" dirty="0"/>
-              <a:t>EC2 &lt;-User Data (bootstrap)</a:t>
-            </a:r>
-          </a:p>
-          <a:p>
-            <a:r>
-              <a:rPr lang="en-US" dirty="0"/>
-              <a:t>Meta Data</a:t>
-            </a:r>
-          </a:p>
-          <a:p>
-            <a:endParaRPr lang="en-US" dirty="0"/>
-          </a:p>
-        </p:txBody>
-      </p:sp>
-      <p:pic>
-        <p:nvPicPr>
-          <p:cNvPr id="2050" name="Picture 2" descr="&#10;    The AMI lifecycle (create, register, launch, copy, deregister).&#10;   ">
-            <a:extLst>
-              <a:ext uri="{FF2B5EF4-FFF2-40B4-BE49-F238E27FC236}">
-                <a16:creationId xmlns:a16="http://schemas.microsoft.com/office/drawing/2014/main" id="{13E7413A-AE8D-4064-830A-7D577E222E52}"/>
-              </a:ext>
-            </a:extLst>
-          </p:cNvPr>
-          <p:cNvPicPr>
-            <a:picLocks noChangeAspect="1" noChangeArrowheads="1"/>
-          </p:cNvPicPr>
-          <p:nvPr/>
-        </p:nvPicPr>
-        <p:blipFill>
-          <a:blip r:embed="rId2">
-            <a:extLst>
-              <a:ext uri="{28A0092B-C50C-407E-A947-70E740481C1C}">
-                <a14:useLocalDpi xmlns:a14="http://schemas.microsoft.com/office/drawing/2010/main" val="0"/>
-              </a:ext>
-            </a:extLst>
-          </a:blip>
-          <a:srcRect/>
-          <a:stretch>
-            <a:fillRect/>
-          </a:stretch>
-        </p:blipFill>
-        <p:spPr bwMode="auto">
-          <a:xfrm>
-            <a:off x="3622753" y="2340850"/>
-            <a:ext cx="6401766" cy="2582225"/>
-          </a:xfrm>
-          <a:prstGeom prst="rect">
-            <a:avLst/>
-          </a:prstGeom>
-          <a:noFill/>
-          <a:extLst>
-            <a:ext uri="{909E8E84-426E-40DD-AFC4-6F175D3DCCD1}">
-              <a14:hiddenFill xmlns:a14="http://schemas.microsoft.com/office/drawing/2010/main">
-                <a:solidFill>
-                  <a:srgbClr val="FFFFFF"/>
-                </a:solidFill>
-              </a14:hiddenFill>
-            </a:ext>
-          </a:extLst>
-        </p:spPr>
-      </p:pic>
-    </p:spTree>
-    <p:extLst>
-      <p:ext uri="{BB962C8B-B14F-4D97-AF65-F5344CB8AC3E}">
-        <p14:creationId xmlns:p14="http://schemas.microsoft.com/office/powerpoint/2010/main" val="3635561043"/>
-      </p:ext>
-    </p:extLst>
-  </p:cSld>
-  <p:clrMapOvr>
-    <a:masterClrMapping/>
-  </p:clrMapOvr>
-</p:sld>
-</file>
-
-<file path=ppt/slides/slide3.xml><?xml version="1.0" encoding="utf-8"?>
-<p:sld xmlns:a="http://schemas.openxmlformats.org/drawingml/2006/main" xmlns:r="http://schemas.openxmlformats.org/officeDocument/2006/relationships" xmlns:p="http://schemas.openxmlformats.org/presentationml/2006/main">
-  <p:cSld>
-    <p:spTree>
-      <p:nvGrpSpPr>
-        <p:cNvPr id="1" name=""/>
-        <p:cNvGrpSpPr/>
-        <p:nvPr/>
-      </p:nvGrpSpPr>
-      <p:grpSpPr>
-        <a:xfrm>
-          <a:off x="0" y="0"/>
-          <a:ext cx="0" cy="0"/>
-          <a:chOff x="0" y="0"/>
-          <a:chExt cx="0" cy="0"/>
-        </a:xfrm>
-      </p:grpSpPr>
-      <p:sp>
-        <p:nvSpPr>
-          <p:cNvPr id="2" name="Content Placeholder 1"/>
-          <p:cNvSpPr>
-            <a:spLocks noGrp="1"/>
-          </p:cNvSpPr>
-          <p:nvPr>
-            <p:ph idx="1"/>
-          </p:nvPr>
-        </p:nvSpPr>
-        <p:spPr>
-          <a:xfrm>
-            <a:off x="480484" y="1439864"/>
-            <a:ext cx="3900130" cy="4511040"/>
-          </a:xfrm>
-        </p:spPr>
-        <p:txBody>
-          <a:bodyPr/>
-          <a:lstStyle/>
-          <a:p>
-            <a:r>
-              <a:rPr lang="en-US" dirty="0"/>
-              <a:t>Configurable via API Router</a:t>
-            </a:r>
-          </a:p>
-          <a:p>
-            <a:r>
-              <a:rPr lang="en-US" dirty="0"/>
-              <a:t>You can have additional OS firewall</a:t>
-            </a:r>
-          </a:p>
-          <a:p>
-            <a:r>
-              <a:rPr lang="en-US" dirty="0"/>
-              <a:t>Elastic Network Interface</a:t>
-            </a:r>
-          </a:p>
-          <a:p>
-            <a:r>
-              <a:rPr lang="en-US" dirty="0"/>
-              <a:t>Limit of 250 rules per interface</a:t>
-            </a:r>
-          </a:p>
-          <a:p>
-            <a:r>
-              <a:rPr lang="en-US" dirty="0"/>
-              <a:t>Defines Inbound and Outbound ports mapping</a:t>
-            </a:r>
-          </a:p>
-          <a:p>
-            <a:endParaRPr lang="en-US" dirty="0"/>
-          </a:p>
-        </p:txBody>
-      </p:sp>
-      <p:sp>
-        <p:nvSpPr>
-          <p:cNvPr id="3" name="Text Placeholder 2"/>
-          <p:cNvSpPr>
-            <a:spLocks noGrp="1"/>
-          </p:cNvSpPr>
-          <p:nvPr>
-            <p:ph type="body" sz="quarter" idx="10"/>
-          </p:nvPr>
-        </p:nvSpPr>
-        <p:spPr/>
-        <p:txBody>
-          <a:bodyPr/>
-          <a:lstStyle/>
-          <a:p>
-            <a:r>
-              <a:rPr lang="en-US" dirty="0"/>
-              <a:t>Security Groups</a:t>
-            </a:r>
-          </a:p>
-        </p:txBody>
-      </p:sp>
-      <p:pic>
-        <p:nvPicPr>
-          <p:cNvPr id="1026" name="Picture 2" descr="https://documents.lucidchart.com/documents/34de2e85-3a43-4d40-b7ec-d50ea4a1396e/pages/0_0?a=141&amp;x=149&amp;y=47&amp;w=1122&amp;h=726&amp;store=1&amp;accept=image%2F*&amp;auth=LCA%20473ad0b5faefdad23daf0dc2fe41dcd82e539771-ts%3D1520300752"/>
-          <p:cNvPicPr>
-            <a:picLocks noChangeAspect="1" noChangeArrowheads="1"/>
-          </p:cNvPicPr>
-          <p:nvPr/>
-        </p:nvPicPr>
-        <p:blipFill rotWithShape="1">
-          <a:blip r:embed="rId2">
-            <a:extLst>
-              <a:ext uri="{28A0092B-C50C-407E-A947-70E740481C1C}">
-                <a14:useLocalDpi xmlns:a14="http://schemas.microsoft.com/office/drawing/2010/main" val="0"/>
-              </a:ext>
-            </a:extLst>
-          </a:blip>
-          <a:srcRect l="4242"/>
-          <a:stretch/>
-        </p:blipFill>
-        <p:spPr bwMode="auto">
-          <a:xfrm>
-            <a:off x="4242391" y="1121086"/>
-            <a:ext cx="7679808" cy="5191125"/>
-          </a:xfrm>
-          <a:prstGeom prst="rect">
-            <a:avLst/>
-          </a:prstGeom>
-          <a:noFill/>
-          <a:extLst>
-            <a:ext uri="{909E8E84-426E-40DD-AFC4-6F175D3DCCD1}">
-              <a14:hiddenFill xmlns:a14="http://schemas.microsoft.com/office/drawing/2010/main">
-                <a:solidFill>
-                  <a:srgbClr val="FFFFFF"/>
-                </a:solidFill>
-              </a14:hiddenFill>
-            </a:ext>
-          </a:extLst>
-        </p:spPr>
-      </p:pic>
-    </p:spTree>
-    <p:extLst>
-      <p:ext uri="{BB962C8B-B14F-4D97-AF65-F5344CB8AC3E}">
-        <p14:creationId xmlns:p14="http://schemas.microsoft.com/office/powerpoint/2010/main" val="1805069761"/>
-      </p:ext>
-    </p:extLst>
-  </p:cSld>
-  <p:clrMapOvr>
-    <a:masterClrMapping/>
-  </p:clrMapOvr>
-</p:sld>
-</file>
-
-<file path=ppt/slides/slide4.xml><?xml version="1.0" encoding="utf-8"?>
-<p:sld xmlns:a="http://schemas.openxmlformats.org/drawingml/2006/main" xmlns:r="http://schemas.openxmlformats.org/officeDocument/2006/relationships" xmlns:p="http://schemas.openxmlformats.org/presentationml/2006/main">
-  <p:cSld>
-    <p:spTree>
-      <p:nvGrpSpPr>
-        <p:cNvPr id="1" name=""/>
-        <p:cNvGrpSpPr/>
-        <p:nvPr/>
-      </p:nvGrpSpPr>
-      <p:grpSpPr>
-        <a:xfrm>
-          <a:off x="0" y="0"/>
-          <a:ext cx="0" cy="0"/>
-          <a:chOff x="0" y="0"/>
-          <a:chExt cx="0" cy="0"/>
-        </a:xfrm>
-      </p:grpSpPr>
-      <p:sp>
-        <p:nvSpPr>
-          <p:cNvPr id="19" name="Title 2">
-            <a:extLst>
-              <a:ext uri="{FF2B5EF4-FFF2-40B4-BE49-F238E27FC236}">
-                <a16:creationId xmlns:a16="http://schemas.microsoft.com/office/drawing/2014/main" id="{7F1FB26D-66CC-45E4-B126-1A4B71844352}"/>
-              </a:ext>
-            </a:extLst>
-          </p:cNvPr>
-          <p:cNvSpPr>
-            <a:spLocks noGrp="1"/>
-          </p:cNvSpPr>
-          <p:nvPr>
-            <p:ph type="title"/>
-          </p:nvPr>
-        </p:nvSpPr>
-        <p:spPr>
-          <a:xfrm>
-            <a:off x="304800" y="228600"/>
-            <a:ext cx="10769600" cy="543739"/>
-          </a:xfrm>
-        </p:spPr>
-        <p:txBody>
-          <a:bodyPr>
-            <a:normAutofit/>
-          </a:bodyPr>
-          <a:lstStyle/>
-          <a:p>
-            <a:r>
-              <a:rPr lang="en-US" sz="2700" dirty="0">
-                <a:solidFill>
-                  <a:schemeClr val="tx1">
-                    <a:lumMod val="75000"/>
-                    <a:lumOff val="25000"/>
-                  </a:schemeClr>
-                </a:solidFill>
-                <a:latin typeface="Arial Black"/>
-                <a:ea typeface="+mn-ea"/>
-              </a:rPr>
-              <a:t>VPC</a:t>
-            </a:r>
-          </a:p>
-        </p:txBody>
-      </p:sp>
-      <p:pic>
-        <p:nvPicPr>
-          <p:cNvPr id="1026" name="Picture 2" descr="&#10;          A VPC with public and private subnets and a NAT gateway&#10;        ">
-            <a:extLst>
-              <a:ext uri="{FF2B5EF4-FFF2-40B4-BE49-F238E27FC236}">
-                <a16:creationId xmlns:a16="http://schemas.microsoft.com/office/drawing/2014/main" id="{CA9E251D-7185-43BB-A64C-2B057911520E}"/>
-              </a:ext>
-            </a:extLst>
-          </p:cNvPr>
-          <p:cNvPicPr>
-            <a:picLocks noChangeAspect="1" noChangeArrowheads="1"/>
-          </p:cNvPicPr>
-          <p:nvPr/>
-        </p:nvPicPr>
-        <p:blipFill>
-          <a:blip r:embed="rId2">
-            <a:extLst>
-              <a:ext uri="{28A0092B-C50C-407E-A947-70E740481C1C}">
-                <a14:useLocalDpi xmlns:a14="http://schemas.microsoft.com/office/drawing/2010/main" val="0"/>
-              </a:ext>
-            </a:extLst>
-          </a:blip>
-          <a:srcRect/>
-          <a:stretch>
-            <a:fillRect/>
-          </a:stretch>
-        </p:blipFill>
-        <p:spPr bwMode="auto">
-          <a:xfrm>
-            <a:off x="3038476" y="1090293"/>
-            <a:ext cx="6655975" cy="5041586"/>
-          </a:xfrm>
-          <a:prstGeom prst="rect">
-            <a:avLst/>
-          </a:prstGeom>
-          <a:noFill/>
-          <a:extLst>
-            <a:ext uri="{909E8E84-426E-40DD-AFC4-6F175D3DCCD1}">
-              <a14:hiddenFill xmlns:a14="http://schemas.microsoft.com/office/drawing/2010/main">
-                <a:solidFill>
-                  <a:srgbClr val="FFFFFF"/>
-                </a:solidFill>
-              </a14:hiddenFill>
-            </a:ext>
-          </a:extLst>
-        </p:spPr>
-      </p:pic>
-      <p:sp>
-        <p:nvSpPr>
-          <p:cNvPr id="18" name="Content Placeholder 1">
-            <a:extLst>
-              <a:ext uri="{FF2B5EF4-FFF2-40B4-BE49-F238E27FC236}">
-                <a16:creationId xmlns:a16="http://schemas.microsoft.com/office/drawing/2014/main" id="{83B283A2-FDF1-4F7B-876A-54134CE2715A}"/>
-              </a:ext>
-            </a:extLst>
-          </p:cNvPr>
-          <p:cNvSpPr>
-            <a:spLocks noGrp="1"/>
-          </p:cNvSpPr>
-          <p:nvPr>
-            <p:ph idx="1"/>
-          </p:nvPr>
-        </p:nvSpPr>
-        <p:spPr>
-          <a:xfrm>
-            <a:off x="480484" y="1439864"/>
-            <a:ext cx="11119104" cy="4511040"/>
-          </a:xfrm>
-        </p:spPr>
-        <p:txBody>
-          <a:bodyPr>
-            <a:normAutofit/>
-          </a:bodyPr>
-          <a:lstStyle/>
-          <a:p>
-            <a:r>
-              <a:rPr lang="en-US" dirty="0"/>
-              <a:t>VPC</a:t>
-            </a:r>
-          </a:p>
-          <a:p>
-            <a:r>
-              <a:rPr lang="en-US" dirty="0"/>
-              <a:t>Region</a:t>
-            </a:r>
-          </a:p>
-          <a:p>
-            <a:r>
-              <a:rPr lang="en-US" dirty="0"/>
-              <a:t>Availability zone</a:t>
-            </a:r>
-          </a:p>
-          <a:p>
-            <a:r>
-              <a:rPr lang="en-US" dirty="0"/>
-              <a:t>Private Net</a:t>
-            </a:r>
-          </a:p>
-          <a:p>
-            <a:r>
-              <a:rPr lang="en-US" dirty="0"/>
-              <a:t>Public Net</a:t>
-            </a:r>
-          </a:p>
-          <a:p>
-            <a:r>
-              <a:rPr lang="en-US" dirty="0"/>
-              <a:t>Subnet</a:t>
-            </a:r>
-          </a:p>
-          <a:p>
-            <a:r>
-              <a:rPr lang="en-US" dirty="0"/>
-              <a:t>NAT</a:t>
-            </a:r>
-          </a:p>
-          <a:p>
-            <a:r>
-              <a:rPr lang="en-US" dirty="0"/>
-              <a:t>Route 53 (DNS)</a:t>
-            </a:r>
-          </a:p>
-          <a:p>
-            <a:r>
-              <a:rPr lang="en-US" dirty="0"/>
-              <a:t>Route table</a:t>
-            </a:r>
-          </a:p>
-        </p:txBody>
-      </p:sp>
-    </p:spTree>
-    <p:extLst>
-      <p:ext uri="{BB962C8B-B14F-4D97-AF65-F5344CB8AC3E}">
-        <p14:creationId xmlns:p14="http://schemas.microsoft.com/office/powerpoint/2010/main" val="3250235399"/>
-      </p:ext>
-    </p:extLst>
-  </p:cSld>
-  <p:clrMapOvr>
-    <a:masterClrMapping/>
-  </p:clrMapOvr>
-</p:sld>
-</file>
-
-<file path=ppt/slides/slide5.xml><?xml version="1.0" encoding="utf-8"?>
-<p:sld xmlns:a="http://schemas.openxmlformats.org/drawingml/2006/main" xmlns:r="http://schemas.openxmlformats.org/officeDocument/2006/relationships" xmlns:p="http://schemas.openxmlformats.org/presentationml/2006/main">
-  <p:cSld>
-    <p:spTree>
-      <p:nvGrpSpPr>
-        <p:cNvPr id="1" name=""/>
-        <p:cNvGrpSpPr/>
-        <p:nvPr/>
-      </p:nvGrpSpPr>
-      <p:grpSpPr>
-        <a:xfrm>
-          <a:off x="0" y="0"/>
-          <a:ext cx="0" cy="0"/>
-          <a:chOff x="0" y="0"/>
-          <a:chExt cx="0" cy="0"/>
-        </a:xfrm>
-      </p:grpSpPr>
-      <p:sp>
-        <p:nvSpPr>
           <p:cNvPr id="3" name="Text Placeholder 2"/>
           <p:cNvSpPr>
             <a:spLocks noGrp="1"/>
@@ -7090,7 +6744,7 @@
           <a:p>
             <a:r>
               <a:rPr lang="en-US" sz="2400" dirty="0"/>
-              <a:t>Sample AWS Architectures</a:t>
+              <a:t>Block Storage vs Object Storage</a:t>
             </a:r>
             <a:endParaRPr lang="en-US" dirty="0"/>
           </a:p>
@@ -7098,10 +6752,10 @@
       </p:sp>
       <p:pic>
         <p:nvPicPr>
-          <p:cNvPr id="10" name="Picture 9">
+          <p:cNvPr id="6" name="Picture 5">
             <a:extLst>
               <a:ext uri="{FF2B5EF4-FFF2-40B4-BE49-F238E27FC236}">
-                <a16:creationId xmlns:a16="http://schemas.microsoft.com/office/drawing/2014/main" id="{830255B3-E876-4766-842F-2528D7E3725C}"/>
+                <a16:creationId xmlns:a16="http://schemas.microsoft.com/office/drawing/2014/main" id="{4D8FB87A-E8A4-4486-BD8C-72094F182EC8}"/>
               </a:ext>
             </a:extLst>
           </p:cNvPr>
@@ -7118,8 +6772,68 @@
         </p:blipFill>
         <p:spPr>
           <a:xfrm>
-            <a:off x="1019175" y="1319212"/>
-            <a:ext cx="7905750" cy="4943475"/>
+            <a:off x="539261" y="3553175"/>
+            <a:ext cx="7591933" cy="2901780"/>
+          </a:xfrm>
+          <a:prstGeom prst="rect">
+            <a:avLst/>
+          </a:prstGeom>
+        </p:spPr>
+      </p:pic>
+      <p:pic>
+        <p:nvPicPr>
+          <p:cNvPr id="8" name="Picture 7">
+            <a:extLst>
+              <a:ext uri="{FF2B5EF4-FFF2-40B4-BE49-F238E27FC236}">
+                <a16:creationId xmlns:a16="http://schemas.microsoft.com/office/drawing/2014/main" id="{DAEF5A1E-6657-4111-979D-F1B1CD3AD39A}"/>
+              </a:ext>
+            </a:extLst>
+          </p:cNvPr>
+          <p:cNvPicPr>
+            <a:picLocks noChangeAspect="1"/>
+          </p:cNvPicPr>
+          <p:nvPr/>
+        </p:nvPicPr>
+        <p:blipFill>
+          <a:blip r:embed="rId3"/>
+          <a:stretch>
+            <a:fillRect/>
+          </a:stretch>
+        </p:blipFill>
+        <p:spPr>
+          <a:xfrm>
+            <a:off x="539261" y="1115768"/>
+            <a:ext cx="3954586" cy="2168085"/>
+          </a:xfrm>
+          <a:prstGeom prst="rect">
+            <a:avLst/>
+          </a:prstGeom>
+        </p:spPr>
+      </p:pic>
+      <p:pic>
+        <p:nvPicPr>
+          <p:cNvPr id="9" name="Picture 8">
+            <a:extLst>
+              <a:ext uri="{FF2B5EF4-FFF2-40B4-BE49-F238E27FC236}">
+                <a16:creationId xmlns:a16="http://schemas.microsoft.com/office/drawing/2014/main" id="{A1E896AF-EF9B-4DB1-9914-FFDF9C55E8C1}"/>
+              </a:ext>
+            </a:extLst>
+          </p:cNvPr>
+          <p:cNvPicPr>
+            <a:picLocks noChangeAspect="1"/>
+          </p:cNvPicPr>
+          <p:nvPr/>
+        </p:nvPicPr>
+        <p:blipFill>
+          <a:blip r:embed="rId4"/>
+          <a:stretch>
+            <a:fillRect/>
+          </a:stretch>
+        </p:blipFill>
+        <p:spPr>
+          <a:xfrm>
+            <a:off x="4493847" y="1115768"/>
+            <a:ext cx="3954586" cy="1517706"/>
           </a:xfrm>
           <a:prstGeom prst="rect">
             <a:avLst/>
@@ -7129,7 +6843,7 @@
     </p:spTree>
     <p:extLst>
       <p:ext uri="{BB962C8B-B14F-4D97-AF65-F5344CB8AC3E}">
-        <p14:creationId xmlns:p14="http://schemas.microsoft.com/office/powerpoint/2010/main" val="432767578"/>
+        <p14:creationId xmlns:p14="http://schemas.microsoft.com/office/powerpoint/2010/main" val="77720689"/>
       </p:ext>
     </p:extLst>
   </p:cSld>
@@ -7139,7 +6853,7 @@
 </p:sld>
 </file>
 
-<file path=ppt/slides/slide6.xml><?xml version="1.0" encoding="utf-8"?>
+<file path=ppt/slides/slide11.xml><?xml version="1.0" encoding="utf-8"?>
 <p:sld xmlns:a="http://schemas.openxmlformats.org/drawingml/2006/main" xmlns:r="http://schemas.openxmlformats.org/officeDocument/2006/relationships" xmlns:p="http://schemas.openxmlformats.org/presentationml/2006/main">
   <p:cSld>
     <p:spTree>
@@ -7374,10 +7088,1785 @@
           </a:extLst>
         </p:spPr>
       </p:pic>
+      <p:pic>
+        <p:nvPicPr>
+          <p:cNvPr id="6" name="Picture 5">
+            <a:extLst>
+              <a:ext uri="{FF2B5EF4-FFF2-40B4-BE49-F238E27FC236}">
+                <a16:creationId xmlns:a16="http://schemas.microsoft.com/office/drawing/2014/main" id="{057877AE-4115-4090-995D-64E6636EE444}"/>
+              </a:ext>
+            </a:extLst>
+          </p:cNvPr>
+          <p:cNvPicPr>
+            <a:picLocks noChangeAspect="1"/>
+          </p:cNvPicPr>
+          <p:nvPr/>
+        </p:nvPicPr>
+        <p:blipFill>
+          <a:blip r:embed="rId4"/>
+          <a:stretch>
+            <a:fillRect/>
+          </a:stretch>
+        </p:blipFill>
+        <p:spPr>
+          <a:xfrm>
+            <a:off x="7648488" y="1570121"/>
+            <a:ext cx="1943414" cy="1256240"/>
+          </a:xfrm>
+          <a:prstGeom prst="rect">
+            <a:avLst/>
+          </a:prstGeom>
+        </p:spPr>
+      </p:pic>
     </p:spTree>
     <p:extLst>
       <p:ext uri="{BB962C8B-B14F-4D97-AF65-F5344CB8AC3E}">
         <p14:creationId xmlns:p14="http://schemas.microsoft.com/office/powerpoint/2010/main" val="2422853296"/>
+      </p:ext>
+    </p:extLst>
+  </p:cSld>
+  <p:clrMapOvr>
+    <a:masterClrMapping/>
+  </p:clrMapOvr>
+</p:sld>
+</file>
+
+<file path=ppt/slides/slide12.xml><?xml version="1.0" encoding="utf-8"?>
+<p:sld xmlns:a="http://schemas.openxmlformats.org/drawingml/2006/main" xmlns:r="http://schemas.openxmlformats.org/officeDocument/2006/relationships" xmlns:p="http://schemas.openxmlformats.org/presentationml/2006/main">
+  <p:cSld>
+    <p:spTree>
+      <p:nvGrpSpPr>
+        <p:cNvPr id="1" name=""/>
+        <p:cNvGrpSpPr/>
+        <p:nvPr/>
+      </p:nvGrpSpPr>
+      <p:grpSpPr>
+        <a:xfrm>
+          <a:off x="0" y="0"/>
+          <a:ext cx="0" cy="0"/>
+          <a:chOff x="0" y="0"/>
+          <a:chExt cx="0" cy="0"/>
+        </a:xfrm>
+      </p:grpSpPr>
+      <p:sp>
+        <p:nvSpPr>
+          <p:cNvPr id="3" name="Text Placeholder 2"/>
+          <p:cNvSpPr>
+            <a:spLocks noGrp="1"/>
+          </p:cNvSpPr>
+          <p:nvPr>
+            <p:ph type="body" sz="quarter" idx="10"/>
+          </p:nvPr>
+        </p:nvSpPr>
+        <p:spPr>
+          <a:xfrm>
+            <a:off x="0" y="0"/>
+            <a:ext cx="12192000" cy="932688"/>
+          </a:xfrm>
+        </p:spPr>
+        <p:txBody>
+          <a:bodyPr/>
+          <a:lstStyle/>
+          <a:p>
+            <a:r>
+              <a:rPr lang="en-US" sz="2400"/>
+              <a:t>Back-up</a:t>
+            </a:r>
+            <a:endParaRPr lang="en-US" dirty="0"/>
+          </a:p>
+        </p:txBody>
+      </p:sp>
+      <p:pic>
+        <p:nvPicPr>
+          <p:cNvPr id="6" name="Picture 5">
+            <a:extLst>
+              <a:ext uri="{FF2B5EF4-FFF2-40B4-BE49-F238E27FC236}">
+                <a16:creationId xmlns:a16="http://schemas.microsoft.com/office/drawing/2014/main" id="{D2548F7B-5D10-43CF-AFDB-0C738AB57C3D}"/>
+              </a:ext>
+            </a:extLst>
+          </p:cNvPr>
+          <p:cNvPicPr>
+            <a:picLocks noChangeAspect="1"/>
+          </p:cNvPicPr>
+          <p:nvPr/>
+        </p:nvPicPr>
+        <p:blipFill>
+          <a:blip r:embed="rId2"/>
+          <a:stretch>
+            <a:fillRect/>
+          </a:stretch>
+        </p:blipFill>
+        <p:spPr>
+          <a:xfrm>
+            <a:off x="273539" y="1823720"/>
+            <a:ext cx="7018215" cy="4247688"/>
+          </a:xfrm>
+          <a:prstGeom prst="rect">
+            <a:avLst/>
+          </a:prstGeom>
+        </p:spPr>
+      </p:pic>
+      <p:pic>
+        <p:nvPicPr>
+          <p:cNvPr id="2" name="Picture 1">
+            <a:extLst>
+              <a:ext uri="{FF2B5EF4-FFF2-40B4-BE49-F238E27FC236}">
+                <a16:creationId xmlns:a16="http://schemas.microsoft.com/office/drawing/2014/main" id="{FBCB4D87-EEC6-4BB9-ADD5-FA337EA6BA44}"/>
+              </a:ext>
+            </a:extLst>
+          </p:cNvPr>
+          <p:cNvPicPr>
+            <a:picLocks noChangeAspect="1"/>
+          </p:cNvPicPr>
+          <p:nvPr/>
+        </p:nvPicPr>
+        <p:blipFill>
+          <a:blip r:embed="rId3"/>
+          <a:stretch>
+            <a:fillRect/>
+          </a:stretch>
+        </p:blipFill>
+        <p:spPr>
+          <a:xfrm>
+            <a:off x="5505665" y="1070708"/>
+            <a:ext cx="1180669" cy="1193433"/>
+          </a:xfrm>
+          <a:prstGeom prst="rect">
+            <a:avLst/>
+          </a:prstGeom>
+        </p:spPr>
+      </p:pic>
+      <p:cxnSp>
+        <p:nvCxnSpPr>
+          <p:cNvPr id="5" name="Connector: Elbow 4">
+            <a:extLst>
+              <a:ext uri="{FF2B5EF4-FFF2-40B4-BE49-F238E27FC236}">
+                <a16:creationId xmlns:a16="http://schemas.microsoft.com/office/drawing/2014/main" id="{41CF2434-B952-4462-8834-098B00D9ABE4}"/>
+              </a:ext>
+            </a:extLst>
+          </p:cNvPr>
+          <p:cNvCxnSpPr>
+            <a:endCxn id="6" idx="0"/>
+          </p:cNvCxnSpPr>
+          <p:nvPr/>
+        </p:nvCxnSpPr>
+        <p:spPr>
+          <a:xfrm rot="10800000" flipV="1">
+            <a:off x="3782648" y="1391138"/>
+            <a:ext cx="2618153" cy="432582"/>
+          </a:xfrm>
+          <a:prstGeom prst="bentConnector2">
+            <a:avLst/>
+          </a:prstGeom>
+          <a:ln>
+            <a:tailEnd type="triangle"/>
+          </a:ln>
+        </p:spPr>
+        <p:style>
+          <a:lnRef idx="1">
+            <a:schemeClr val="accent1"/>
+          </a:lnRef>
+          <a:fillRef idx="0">
+            <a:schemeClr val="accent1"/>
+          </a:fillRef>
+          <a:effectRef idx="0">
+            <a:schemeClr val="accent1"/>
+          </a:effectRef>
+          <a:fontRef idx="minor">
+            <a:schemeClr val="tx1"/>
+          </a:fontRef>
+        </p:style>
+      </p:cxnSp>
+      <p:sp>
+        <p:nvSpPr>
+          <p:cNvPr id="8" name="Arrow: Down 7">
+            <a:extLst>
+              <a:ext uri="{FF2B5EF4-FFF2-40B4-BE49-F238E27FC236}">
+                <a16:creationId xmlns:a16="http://schemas.microsoft.com/office/drawing/2014/main" id="{94D29CBE-F6B1-4064-9CF2-3109499E0A72}"/>
+              </a:ext>
+            </a:extLst>
+          </p:cNvPr>
+          <p:cNvSpPr/>
+          <p:nvPr/>
+        </p:nvSpPr>
+        <p:spPr>
+          <a:xfrm>
+            <a:off x="3688861" y="1922792"/>
+            <a:ext cx="187569" cy="242277"/>
+          </a:xfrm>
+          <a:prstGeom prst="downArrow">
+            <a:avLst/>
+          </a:prstGeom>
+        </p:spPr>
+        <p:style>
+          <a:lnRef idx="2">
+            <a:schemeClr val="accent1">
+              <a:shade val="50000"/>
+            </a:schemeClr>
+          </a:lnRef>
+          <a:fillRef idx="1">
+            <a:schemeClr val="accent1"/>
+          </a:fillRef>
+          <a:effectRef idx="0">
+            <a:schemeClr val="accent1"/>
+          </a:effectRef>
+          <a:fontRef idx="minor">
+            <a:schemeClr val="lt1"/>
+          </a:fontRef>
+        </p:style>
+        <p:txBody>
+          <a:bodyPr rtlCol="0" anchor="ctr"/>
+          <a:lstStyle/>
+          <a:p>
+            <a:pPr algn="ctr"/>
+            <a:endParaRPr lang="en-US"/>
+          </a:p>
+        </p:txBody>
+      </p:sp>
+      <p:sp>
+        <p:nvSpPr>
+          <p:cNvPr id="9" name="TextBox 8">
+            <a:extLst>
+              <a:ext uri="{FF2B5EF4-FFF2-40B4-BE49-F238E27FC236}">
+                <a16:creationId xmlns:a16="http://schemas.microsoft.com/office/drawing/2014/main" id="{5EA4E44F-D1A2-4E4C-9BA3-BB2200DA4F34}"/>
+              </a:ext>
+            </a:extLst>
+          </p:cNvPr>
+          <p:cNvSpPr txBox="1"/>
+          <p:nvPr/>
+        </p:nvSpPr>
+        <p:spPr>
+          <a:xfrm>
+            <a:off x="1320776" y="1021805"/>
+            <a:ext cx="4426212" cy="369332"/>
+          </a:xfrm>
+          <a:prstGeom prst="rect">
+            <a:avLst/>
+          </a:prstGeom>
+          <a:noFill/>
+        </p:spPr>
+        <p:txBody>
+          <a:bodyPr wrap="square" rtlCol="0">
+            <a:spAutoFit/>
+          </a:bodyPr>
+          <a:lstStyle/>
+          <a:p>
+            <a:r>
+              <a:rPr lang="en-US" dirty="0"/>
+              <a:t>EBS time-based snapshot for a block only</a:t>
+            </a:r>
+          </a:p>
+        </p:txBody>
+      </p:sp>
+    </p:spTree>
+    <p:extLst>
+      <p:ext uri="{BB962C8B-B14F-4D97-AF65-F5344CB8AC3E}">
+        <p14:creationId xmlns:p14="http://schemas.microsoft.com/office/powerpoint/2010/main" val="1937197393"/>
+      </p:ext>
+    </p:extLst>
+  </p:cSld>
+  <p:clrMapOvr>
+    <a:masterClrMapping/>
+  </p:clrMapOvr>
+</p:sld>
+</file>
+
+<file path=ppt/slides/slide13.xml><?xml version="1.0" encoding="utf-8"?>
+<p:sld xmlns:a="http://schemas.openxmlformats.org/drawingml/2006/main" xmlns:r="http://schemas.openxmlformats.org/officeDocument/2006/relationships" xmlns:p="http://schemas.openxmlformats.org/presentationml/2006/main">
+  <p:cSld>
+    <p:spTree>
+      <p:nvGrpSpPr>
+        <p:cNvPr id="1" name=""/>
+        <p:cNvGrpSpPr/>
+        <p:nvPr/>
+      </p:nvGrpSpPr>
+      <p:grpSpPr>
+        <a:xfrm>
+          <a:off x="0" y="0"/>
+          <a:ext cx="0" cy="0"/>
+          <a:chOff x="0" y="0"/>
+          <a:chExt cx="0" cy="0"/>
+        </a:xfrm>
+      </p:grpSpPr>
+      <p:sp>
+        <p:nvSpPr>
+          <p:cNvPr id="2" name="Content Placeholder 1"/>
+          <p:cNvSpPr>
+            <a:spLocks noGrp="1"/>
+          </p:cNvSpPr>
+          <p:nvPr>
+            <p:ph sz="quarter" idx="13"/>
+          </p:nvPr>
+        </p:nvSpPr>
+        <p:spPr/>
+        <p:txBody>
+          <a:bodyPr numCol="2"/>
+          <a:lstStyle/>
+          <a:p>
+            <a:r>
+              <a:rPr lang="en-US" dirty="0"/>
+              <a:t>EC2 Instance</a:t>
+            </a:r>
+          </a:p>
+          <a:p>
+            <a:r>
+              <a:rPr lang="en-US" dirty="0"/>
+              <a:t>Security Group</a:t>
+            </a:r>
+          </a:p>
+          <a:p>
+            <a:r>
+              <a:rPr lang="en-US" dirty="0"/>
+              <a:t>Open Ports</a:t>
+            </a:r>
+          </a:p>
+        </p:txBody>
+      </p:sp>
+      <p:sp>
+        <p:nvSpPr>
+          <p:cNvPr id="3" name="Title 2"/>
+          <p:cNvSpPr>
+            <a:spLocks noGrp="1"/>
+          </p:cNvSpPr>
+          <p:nvPr>
+            <p:ph type="title"/>
+          </p:nvPr>
+        </p:nvSpPr>
+        <p:spPr/>
+        <p:txBody>
+          <a:bodyPr/>
+          <a:lstStyle/>
+          <a:p>
+            <a:r>
+              <a:rPr lang="en-US" dirty="0"/>
+              <a:t>Home Task</a:t>
+            </a:r>
+          </a:p>
+        </p:txBody>
+      </p:sp>
+    </p:spTree>
+    <p:extLst>
+      <p:ext uri="{BB962C8B-B14F-4D97-AF65-F5344CB8AC3E}">
+        <p14:creationId xmlns:p14="http://schemas.microsoft.com/office/powerpoint/2010/main" val="676443928"/>
+      </p:ext>
+    </p:extLst>
+  </p:cSld>
+  <p:clrMapOvr>
+    <a:masterClrMapping/>
+  </p:clrMapOvr>
+</p:sld>
+</file>
+
+<file path=ppt/slides/slide2.xml><?xml version="1.0" encoding="utf-8"?>
+<p:sld xmlns:a="http://schemas.openxmlformats.org/drawingml/2006/main" xmlns:r="http://schemas.openxmlformats.org/officeDocument/2006/relationships" xmlns:p="http://schemas.openxmlformats.org/presentationml/2006/main">
+  <p:cSld>
+    <p:spTree>
+      <p:nvGrpSpPr>
+        <p:cNvPr id="1" name=""/>
+        <p:cNvGrpSpPr/>
+        <p:nvPr/>
+      </p:nvGrpSpPr>
+      <p:grpSpPr>
+        <a:xfrm>
+          <a:off x="0" y="0"/>
+          <a:ext cx="0" cy="0"/>
+          <a:chOff x="0" y="0"/>
+          <a:chExt cx="0" cy="0"/>
+        </a:xfrm>
+      </p:grpSpPr>
+      <p:sp>
+        <p:nvSpPr>
+          <p:cNvPr id="4" name="Title 2">
+            <a:extLst>
+              <a:ext uri="{FF2B5EF4-FFF2-40B4-BE49-F238E27FC236}">
+                <a16:creationId xmlns:a16="http://schemas.microsoft.com/office/drawing/2014/main" id="{FE3AC979-55DE-4C18-9AC9-951092525593}"/>
+              </a:ext>
+            </a:extLst>
+          </p:cNvPr>
+          <p:cNvSpPr>
+            <a:spLocks noGrp="1"/>
+          </p:cNvSpPr>
+          <p:nvPr>
+            <p:ph type="title"/>
+          </p:nvPr>
+        </p:nvSpPr>
+        <p:spPr>
+          <a:xfrm>
+            <a:off x="304800" y="228600"/>
+            <a:ext cx="10769600" cy="543739"/>
+          </a:xfrm>
+        </p:spPr>
+        <p:txBody>
+          <a:bodyPr>
+            <a:normAutofit/>
+          </a:bodyPr>
+          <a:lstStyle/>
+          <a:p>
+            <a:r>
+              <a:rPr lang="en-US" sz="2400" dirty="0">
+                <a:solidFill>
+                  <a:schemeClr val="tx1">
+                    <a:lumMod val="75000"/>
+                    <a:lumOff val="25000"/>
+                  </a:schemeClr>
+                </a:solidFill>
+                <a:latin typeface="Arial Black"/>
+              </a:rPr>
+              <a:t>Agenda</a:t>
+            </a:r>
+          </a:p>
+        </p:txBody>
+      </p:sp>
+      <p:sp>
+        <p:nvSpPr>
+          <p:cNvPr id="32" name="Content Placeholder 1">
+            <a:extLst>
+              <a:ext uri="{FF2B5EF4-FFF2-40B4-BE49-F238E27FC236}">
+                <a16:creationId xmlns:a16="http://schemas.microsoft.com/office/drawing/2014/main" id="{4D2D2AF7-1CE5-45A9-92E1-B45283D2468D}"/>
+              </a:ext>
+            </a:extLst>
+          </p:cNvPr>
+          <p:cNvSpPr>
+            <a:spLocks noGrp="1"/>
+          </p:cNvSpPr>
+          <p:nvPr>
+            <p:ph idx="1"/>
+          </p:nvPr>
+        </p:nvSpPr>
+        <p:spPr>
+          <a:xfrm>
+            <a:off x="304800" y="1029669"/>
+            <a:ext cx="3622753" cy="3922867"/>
+          </a:xfrm>
+        </p:spPr>
+        <p:txBody>
+          <a:bodyPr/>
+          <a:lstStyle/>
+          <a:p>
+            <a:r>
+              <a:rPr lang="en-US" dirty="0"/>
+              <a:t>EC2 / AMI Lifecycle</a:t>
+            </a:r>
+          </a:p>
+          <a:p>
+            <a:r>
+              <a:rPr lang="en-US" dirty="0"/>
+              <a:t>EBS volume</a:t>
+            </a:r>
+          </a:p>
+          <a:p>
+            <a:r>
+              <a:rPr lang="en-US" dirty="0"/>
+              <a:t>Security Groups</a:t>
+            </a:r>
+          </a:p>
+          <a:p>
+            <a:r>
+              <a:rPr lang="en-US" dirty="0"/>
+              <a:t>VPC</a:t>
+            </a:r>
+          </a:p>
+          <a:p>
+            <a:r>
+              <a:rPr lang="en-US" dirty="0"/>
+              <a:t>Sample AWS Architectures</a:t>
+            </a:r>
+          </a:p>
+          <a:p>
+            <a:r>
+              <a:rPr lang="en-US" dirty="0"/>
+              <a:t>EBS (Elastic Block Store) </a:t>
+            </a:r>
+          </a:p>
+          <a:p>
+            <a:r>
+              <a:rPr lang="en-US" dirty="0"/>
+              <a:t>EFS (File System)</a:t>
+            </a:r>
+          </a:p>
+          <a:p>
+            <a:r>
+              <a:rPr lang="en-US" dirty="0"/>
+              <a:t>S3 volumes</a:t>
+            </a:r>
+          </a:p>
+        </p:txBody>
+      </p:sp>
+    </p:spTree>
+    <p:extLst>
+      <p:ext uri="{BB962C8B-B14F-4D97-AF65-F5344CB8AC3E}">
+        <p14:creationId xmlns:p14="http://schemas.microsoft.com/office/powerpoint/2010/main" val="3635561043"/>
+      </p:ext>
+    </p:extLst>
+  </p:cSld>
+  <p:clrMapOvr>
+    <a:masterClrMapping/>
+  </p:clrMapOvr>
+</p:sld>
+</file>
+
+<file path=ppt/slides/slide3.xml><?xml version="1.0" encoding="utf-8"?>
+<p:sld xmlns:a="http://schemas.openxmlformats.org/drawingml/2006/main" xmlns:r="http://schemas.openxmlformats.org/officeDocument/2006/relationships" xmlns:p="http://schemas.openxmlformats.org/presentationml/2006/main">
+  <p:cSld>
+    <p:spTree>
+      <p:nvGrpSpPr>
+        <p:cNvPr id="1" name=""/>
+        <p:cNvGrpSpPr/>
+        <p:nvPr/>
+      </p:nvGrpSpPr>
+      <p:grpSpPr>
+        <a:xfrm>
+          <a:off x="0" y="0"/>
+          <a:ext cx="0" cy="0"/>
+          <a:chOff x="0" y="0"/>
+          <a:chExt cx="0" cy="0"/>
+        </a:xfrm>
+      </p:grpSpPr>
+      <p:sp>
+        <p:nvSpPr>
+          <p:cNvPr id="4" name="Title 2">
+            <a:extLst>
+              <a:ext uri="{FF2B5EF4-FFF2-40B4-BE49-F238E27FC236}">
+                <a16:creationId xmlns:a16="http://schemas.microsoft.com/office/drawing/2014/main" id="{FE3AC979-55DE-4C18-9AC9-951092525593}"/>
+              </a:ext>
+            </a:extLst>
+          </p:cNvPr>
+          <p:cNvSpPr>
+            <a:spLocks noGrp="1"/>
+          </p:cNvSpPr>
+          <p:nvPr>
+            <p:ph type="title"/>
+          </p:nvPr>
+        </p:nvSpPr>
+        <p:spPr>
+          <a:xfrm>
+            <a:off x="304800" y="228600"/>
+            <a:ext cx="10769600" cy="543739"/>
+          </a:xfrm>
+        </p:spPr>
+        <p:txBody>
+          <a:bodyPr>
+            <a:normAutofit/>
+          </a:bodyPr>
+          <a:lstStyle/>
+          <a:p>
+            <a:r>
+              <a:rPr lang="en-US" sz="2400" dirty="0">
+                <a:solidFill>
+                  <a:schemeClr val="tx1">
+                    <a:lumMod val="75000"/>
+                    <a:lumOff val="25000"/>
+                  </a:schemeClr>
+                </a:solidFill>
+                <a:latin typeface="Arial Black"/>
+              </a:rPr>
+              <a:t>EC2 / AMI Lifecycle</a:t>
+            </a:r>
+          </a:p>
+        </p:txBody>
+      </p:sp>
+      <p:sp>
+        <p:nvSpPr>
+          <p:cNvPr id="32" name="Content Placeholder 1">
+            <a:extLst>
+              <a:ext uri="{FF2B5EF4-FFF2-40B4-BE49-F238E27FC236}">
+                <a16:creationId xmlns:a16="http://schemas.microsoft.com/office/drawing/2014/main" id="{4D2D2AF7-1CE5-45A9-92E1-B45283D2468D}"/>
+              </a:ext>
+            </a:extLst>
+          </p:cNvPr>
+          <p:cNvSpPr>
+            <a:spLocks noGrp="1"/>
+          </p:cNvSpPr>
+          <p:nvPr>
+            <p:ph idx="1"/>
+          </p:nvPr>
+        </p:nvSpPr>
+        <p:spPr>
+          <a:xfrm>
+            <a:off x="304800" y="1123453"/>
+            <a:ext cx="3622753" cy="3922867"/>
+          </a:xfrm>
+        </p:spPr>
+        <p:txBody>
+          <a:bodyPr/>
+          <a:lstStyle/>
+          <a:p>
+            <a:r>
+              <a:rPr lang="en-US" dirty="0"/>
+              <a:t>Virtual machine</a:t>
+            </a:r>
+          </a:p>
+          <a:p>
+            <a:r>
+              <a:rPr lang="en-US" dirty="0"/>
+              <a:t>Machine Image</a:t>
+            </a:r>
+          </a:p>
+          <a:p>
+            <a:r>
+              <a:rPr lang="en-US" dirty="0"/>
+              <a:t>Ephemeral storage</a:t>
+            </a:r>
+          </a:p>
+          <a:p>
+            <a:r>
+              <a:rPr lang="en-US" dirty="0"/>
+              <a:t>Type = vCPU + Mem</a:t>
+            </a:r>
+          </a:p>
+          <a:p>
+            <a:r>
+              <a:rPr lang="en-US" dirty="0"/>
+              <a:t>EBS</a:t>
+            </a:r>
+          </a:p>
+          <a:p>
+            <a:r>
+              <a:rPr lang="en-US" dirty="0"/>
+              <a:t>Tags</a:t>
+            </a:r>
+          </a:p>
+          <a:p>
+            <a:r>
+              <a:rPr lang="en-US" dirty="0"/>
+              <a:t>EC2 &lt;-User Data (bootstrap)</a:t>
+            </a:r>
+          </a:p>
+          <a:p>
+            <a:r>
+              <a:rPr lang="en-US" dirty="0"/>
+              <a:t>Meta Data</a:t>
+            </a:r>
+          </a:p>
+          <a:p>
+            <a:endParaRPr lang="en-US" dirty="0"/>
+          </a:p>
+        </p:txBody>
+      </p:sp>
+      <p:pic>
+        <p:nvPicPr>
+          <p:cNvPr id="2050" name="Picture 2" descr="&#10;    The AMI lifecycle (create, register, launch, copy, deregister).&#10;   ">
+            <a:extLst>
+              <a:ext uri="{FF2B5EF4-FFF2-40B4-BE49-F238E27FC236}">
+                <a16:creationId xmlns:a16="http://schemas.microsoft.com/office/drawing/2014/main" id="{13E7413A-AE8D-4064-830A-7D577E222E52}"/>
+              </a:ext>
+            </a:extLst>
+          </p:cNvPr>
+          <p:cNvPicPr>
+            <a:picLocks noChangeAspect="1" noChangeArrowheads="1"/>
+          </p:cNvPicPr>
+          <p:nvPr/>
+        </p:nvPicPr>
+        <p:blipFill>
+          <a:blip r:embed="rId2">
+            <a:extLst>
+              <a:ext uri="{28A0092B-C50C-407E-A947-70E740481C1C}">
+                <a14:useLocalDpi xmlns:a14="http://schemas.microsoft.com/office/drawing/2010/main" val="0"/>
+              </a:ext>
+            </a:extLst>
+          </a:blip>
+          <a:srcRect/>
+          <a:stretch>
+            <a:fillRect/>
+          </a:stretch>
+        </p:blipFill>
+        <p:spPr bwMode="auto">
+          <a:xfrm>
+            <a:off x="3993661" y="1543681"/>
+            <a:ext cx="5304026" cy="2139439"/>
+          </a:xfrm>
+          <a:prstGeom prst="rect">
+            <a:avLst/>
+          </a:prstGeom>
+          <a:noFill/>
+          <a:extLst>
+            <a:ext uri="{909E8E84-426E-40DD-AFC4-6F175D3DCCD1}">
+              <a14:hiddenFill xmlns:a14="http://schemas.microsoft.com/office/drawing/2010/main">
+                <a:solidFill>
+                  <a:srgbClr val="FFFFFF"/>
+                </a:solidFill>
+              </a14:hiddenFill>
+            </a:ext>
+          </a:extLst>
+        </p:spPr>
+      </p:pic>
+    </p:spTree>
+    <p:extLst>
+      <p:ext uri="{BB962C8B-B14F-4D97-AF65-F5344CB8AC3E}">
+        <p14:creationId xmlns:p14="http://schemas.microsoft.com/office/powerpoint/2010/main" val="669583128"/>
+      </p:ext>
+    </p:extLst>
+  </p:cSld>
+  <p:clrMapOvr>
+    <a:masterClrMapping/>
+  </p:clrMapOvr>
+</p:sld>
+</file>
+
+<file path=ppt/slides/slide4.xml><?xml version="1.0" encoding="utf-8"?>
+<p:sld xmlns:a="http://schemas.openxmlformats.org/drawingml/2006/main" xmlns:r="http://schemas.openxmlformats.org/officeDocument/2006/relationships" xmlns:p="http://schemas.openxmlformats.org/presentationml/2006/main">
+  <p:cSld>
+    <p:spTree>
+      <p:nvGrpSpPr>
+        <p:cNvPr id="1" name=""/>
+        <p:cNvGrpSpPr/>
+        <p:nvPr/>
+      </p:nvGrpSpPr>
+      <p:grpSpPr>
+        <a:xfrm>
+          <a:off x="0" y="0"/>
+          <a:ext cx="0" cy="0"/>
+          <a:chOff x="0" y="0"/>
+          <a:chExt cx="0" cy="0"/>
+        </a:xfrm>
+      </p:grpSpPr>
+      <p:sp>
+        <p:nvSpPr>
+          <p:cNvPr id="4" name="Title 2">
+            <a:extLst>
+              <a:ext uri="{FF2B5EF4-FFF2-40B4-BE49-F238E27FC236}">
+                <a16:creationId xmlns:a16="http://schemas.microsoft.com/office/drawing/2014/main" id="{FE3AC979-55DE-4C18-9AC9-951092525593}"/>
+              </a:ext>
+            </a:extLst>
+          </p:cNvPr>
+          <p:cNvSpPr>
+            <a:spLocks noGrp="1"/>
+          </p:cNvSpPr>
+          <p:nvPr>
+            <p:ph type="title"/>
+          </p:nvPr>
+        </p:nvSpPr>
+        <p:spPr>
+          <a:xfrm>
+            <a:off x="304800" y="228600"/>
+            <a:ext cx="10769600" cy="543739"/>
+          </a:xfrm>
+        </p:spPr>
+        <p:txBody>
+          <a:bodyPr>
+            <a:normAutofit/>
+          </a:bodyPr>
+          <a:lstStyle/>
+          <a:p>
+            <a:r>
+              <a:rPr lang="en-US" sz="2400" dirty="0">
+                <a:solidFill>
+                  <a:schemeClr val="tx1">
+                    <a:lumMod val="75000"/>
+                    <a:lumOff val="25000"/>
+                  </a:schemeClr>
+                </a:solidFill>
+                <a:latin typeface="Arial Black"/>
+              </a:rPr>
+              <a:t>EBS Volume</a:t>
+            </a:r>
+          </a:p>
+        </p:txBody>
+      </p:sp>
+      <p:sp>
+        <p:nvSpPr>
+          <p:cNvPr id="5" name="Content Placeholder 1">
+            <a:extLst>
+              <a:ext uri="{FF2B5EF4-FFF2-40B4-BE49-F238E27FC236}">
+                <a16:creationId xmlns:a16="http://schemas.microsoft.com/office/drawing/2014/main" id="{21661DF2-27CB-4B1E-ACA6-B6F07A24AFF1}"/>
+              </a:ext>
+            </a:extLst>
+          </p:cNvPr>
+          <p:cNvSpPr txBox="1">
+            <a:spLocks/>
+          </p:cNvSpPr>
+          <p:nvPr/>
+        </p:nvSpPr>
+        <p:spPr>
+          <a:xfrm>
+            <a:off x="304800" y="1057309"/>
+            <a:ext cx="11119104" cy="4511040"/>
+          </a:xfrm>
+          <a:prstGeom prst="rect">
+            <a:avLst/>
+          </a:prstGeom>
+        </p:spPr>
+        <p:txBody>
+          <a:bodyPr vert="horz" lIns="91440" tIns="45720" rIns="91440" bIns="45720" rtlCol="0">
+            <a:normAutofit/>
+          </a:bodyPr>
+          <a:lstStyle>
+            <a:lvl1pPr marL="342900" indent="-342900" algn="l" defTabSz="457200" rtl="0" eaLnBrk="1" latinLnBrk="0" hangingPunct="1">
+              <a:spcBef>
+                <a:spcPts val="1000"/>
+              </a:spcBef>
+              <a:spcAft>
+                <a:spcPts val="0"/>
+              </a:spcAft>
+              <a:buClr>
+                <a:schemeClr val="accent1"/>
+              </a:buClr>
+              <a:buSzPct val="80000"/>
+              <a:buFont typeface="Wingdings 3" charset="2"/>
+              <a:buChar char=""/>
+              <a:defRPr sz="1800" kern="1200">
+                <a:solidFill>
+                  <a:schemeClr val="tx1">
+                    <a:lumMod val="75000"/>
+                    <a:lumOff val="25000"/>
+                  </a:schemeClr>
+                </a:solidFill>
+                <a:latin typeface="+mn-lt"/>
+                <a:ea typeface="+mn-ea"/>
+                <a:cs typeface="+mn-cs"/>
+              </a:defRPr>
+            </a:lvl1pPr>
+            <a:lvl2pPr marL="742950" indent="-285750" algn="l" defTabSz="457200" rtl="0" eaLnBrk="1" latinLnBrk="0" hangingPunct="1">
+              <a:spcBef>
+                <a:spcPts val="1000"/>
+              </a:spcBef>
+              <a:spcAft>
+                <a:spcPts val="0"/>
+              </a:spcAft>
+              <a:buClr>
+                <a:schemeClr val="accent1"/>
+              </a:buClr>
+              <a:buSzPct val="80000"/>
+              <a:buFont typeface="Wingdings 3" charset="2"/>
+              <a:buChar char=""/>
+              <a:defRPr sz="1600" kern="1200">
+                <a:solidFill>
+                  <a:schemeClr val="tx1">
+                    <a:lumMod val="75000"/>
+                    <a:lumOff val="25000"/>
+                  </a:schemeClr>
+                </a:solidFill>
+                <a:latin typeface="+mn-lt"/>
+                <a:ea typeface="+mn-ea"/>
+                <a:cs typeface="+mn-cs"/>
+              </a:defRPr>
+            </a:lvl2pPr>
+            <a:lvl3pPr marL="1143000" indent="-228600" algn="l" defTabSz="457200" rtl="0" eaLnBrk="1" latinLnBrk="0" hangingPunct="1">
+              <a:spcBef>
+                <a:spcPts val="1000"/>
+              </a:spcBef>
+              <a:spcAft>
+                <a:spcPts val="0"/>
+              </a:spcAft>
+              <a:buClr>
+                <a:schemeClr val="accent1"/>
+              </a:buClr>
+              <a:buSzPct val="80000"/>
+              <a:buFont typeface="Wingdings 3" charset="2"/>
+              <a:buChar char=""/>
+              <a:defRPr sz="1400" kern="1200">
+                <a:solidFill>
+                  <a:schemeClr val="tx1">
+                    <a:lumMod val="75000"/>
+                    <a:lumOff val="25000"/>
+                  </a:schemeClr>
+                </a:solidFill>
+                <a:latin typeface="+mn-lt"/>
+                <a:ea typeface="+mn-ea"/>
+                <a:cs typeface="+mn-cs"/>
+              </a:defRPr>
+            </a:lvl3pPr>
+            <a:lvl4pPr marL="1600200" indent="-228600" algn="l" defTabSz="457200" rtl="0" eaLnBrk="1" latinLnBrk="0" hangingPunct="1">
+              <a:spcBef>
+                <a:spcPts val="1000"/>
+              </a:spcBef>
+              <a:spcAft>
+                <a:spcPts val="0"/>
+              </a:spcAft>
+              <a:buClr>
+                <a:schemeClr val="accent1"/>
+              </a:buClr>
+              <a:buSzPct val="80000"/>
+              <a:buFont typeface="Wingdings 3" charset="2"/>
+              <a:buChar char=""/>
+              <a:defRPr sz="1200" kern="1200">
+                <a:solidFill>
+                  <a:schemeClr val="tx1">
+                    <a:lumMod val="75000"/>
+                    <a:lumOff val="25000"/>
+                  </a:schemeClr>
+                </a:solidFill>
+                <a:latin typeface="+mn-lt"/>
+                <a:ea typeface="+mn-ea"/>
+                <a:cs typeface="+mn-cs"/>
+              </a:defRPr>
+            </a:lvl4pPr>
+            <a:lvl5pPr marL="2057400" indent="-228600" algn="l" defTabSz="457200" rtl="0" eaLnBrk="1" latinLnBrk="0" hangingPunct="1">
+              <a:spcBef>
+                <a:spcPts val="1000"/>
+              </a:spcBef>
+              <a:spcAft>
+                <a:spcPts val="0"/>
+              </a:spcAft>
+              <a:buClr>
+                <a:schemeClr val="accent1"/>
+              </a:buClr>
+              <a:buSzPct val="80000"/>
+              <a:buFont typeface="Wingdings 3" charset="2"/>
+              <a:buChar char=""/>
+              <a:defRPr sz="1200" kern="1200">
+                <a:solidFill>
+                  <a:schemeClr val="tx1">
+                    <a:lumMod val="75000"/>
+                    <a:lumOff val="25000"/>
+                  </a:schemeClr>
+                </a:solidFill>
+                <a:latin typeface="+mn-lt"/>
+                <a:ea typeface="+mn-ea"/>
+                <a:cs typeface="+mn-cs"/>
+              </a:defRPr>
+            </a:lvl5pPr>
+            <a:lvl6pPr marL="2514600" indent="-228600" algn="l" defTabSz="457200" rtl="0" eaLnBrk="1" latinLnBrk="0" hangingPunct="1">
+              <a:spcBef>
+                <a:spcPts val="1000"/>
+              </a:spcBef>
+              <a:spcAft>
+                <a:spcPts val="0"/>
+              </a:spcAft>
+              <a:buClr>
+                <a:schemeClr val="accent1"/>
+              </a:buClr>
+              <a:buSzPct val="80000"/>
+              <a:buFont typeface="Wingdings 3" charset="2"/>
+              <a:buChar char=""/>
+              <a:defRPr sz="1200" kern="1200">
+                <a:solidFill>
+                  <a:schemeClr val="tx1">
+                    <a:lumMod val="75000"/>
+                    <a:lumOff val="25000"/>
+                  </a:schemeClr>
+                </a:solidFill>
+                <a:latin typeface="+mn-lt"/>
+                <a:ea typeface="+mn-ea"/>
+                <a:cs typeface="+mn-cs"/>
+              </a:defRPr>
+            </a:lvl6pPr>
+            <a:lvl7pPr marL="2971800" indent="-228600" algn="l" defTabSz="457200" rtl="0" eaLnBrk="1" latinLnBrk="0" hangingPunct="1">
+              <a:spcBef>
+                <a:spcPts val="1000"/>
+              </a:spcBef>
+              <a:spcAft>
+                <a:spcPts val="0"/>
+              </a:spcAft>
+              <a:buClr>
+                <a:schemeClr val="accent1"/>
+              </a:buClr>
+              <a:buSzPct val="80000"/>
+              <a:buFont typeface="Wingdings 3" charset="2"/>
+              <a:buChar char=""/>
+              <a:defRPr sz="1200" kern="1200">
+                <a:solidFill>
+                  <a:schemeClr val="tx1">
+                    <a:lumMod val="75000"/>
+                    <a:lumOff val="25000"/>
+                  </a:schemeClr>
+                </a:solidFill>
+                <a:latin typeface="+mn-lt"/>
+                <a:ea typeface="+mn-ea"/>
+                <a:cs typeface="+mn-cs"/>
+              </a:defRPr>
+            </a:lvl7pPr>
+            <a:lvl8pPr marL="3429000" indent="-228600" algn="l" defTabSz="457200" rtl="0" eaLnBrk="1" latinLnBrk="0" hangingPunct="1">
+              <a:spcBef>
+                <a:spcPts val="1000"/>
+              </a:spcBef>
+              <a:spcAft>
+                <a:spcPts val="0"/>
+              </a:spcAft>
+              <a:buClr>
+                <a:schemeClr val="accent1"/>
+              </a:buClr>
+              <a:buSzPct val="80000"/>
+              <a:buFont typeface="Wingdings 3" charset="2"/>
+              <a:buChar char=""/>
+              <a:defRPr sz="1200" kern="1200">
+                <a:solidFill>
+                  <a:schemeClr val="tx1">
+                    <a:lumMod val="75000"/>
+                    <a:lumOff val="25000"/>
+                  </a:schemeClr>
+                </a:solidFill>
+                <a:latin typeface="+mn-lt"/>
+                <a:ea typeface="+mn-ea"/>
+                <a:cs typeface="+mn-cs"/>
+              </a:defRPr>
+            </a:lvl8pPr>
+            <a:lvl9pPr marL="3886200" indent="-228600" algn="l" defTabSz="457200" rtl="0" eaLnBrk="1" latinLnBrk="0" hangingPunct="1">
+              <a:spcBef>
+                <a:spcPts val="1000"/>
+              </a:spcBef>
+              <a:spcAft>
+                <a:spcPts val="0"/>
+              </a:spcAft>
+              <a:buClr>
+                <a:schemeClr val="accent1"/>
+              </a:buClr>
+              <a:buSzPct val="80000"/>
+              <a:buFont typeface="Wingdings 3" charset="2"/>
+              <a:buChar char=""/>
+              <a:defRPr sz="1200" kern="1200">
+                <a:solidFill>
+                  <a:schemeClr val="tx1">
+                    <a:lumMod val="75000"/>
+                    <a:lumOff val="25000"/>
+                  </a:schemeClr>
+                </a:solidFill>
+                <a:latin typeface="+mn-lt"/>
+                <a:ea typeface="+mn-ea"/>
+                <a:cs typeface="+mn-cs"/>
+              </a:defRPr>
+            </a:lvl9pPr>
+          </a:lstStyle>
+          <a:p>
+            <a:r>
+              <a:rPr lang="en-US" dirty="0"/>
+              <a:t>Persistence</a:t>
+            </a:r>
+          </a:p>
+          <a:p>
+            <a:r>
+              <a:rPr lang="en-US" dirty="0"/>
+              <a:t>Snapshots</a:t>
+            </a:r>
+          </a:p>
+          <a:p>
+            <a:pPr lvl="1"/>
+            <a:r>
+              <a:rPr lang="en-US" dirty="0"/>
+              <a:t>full</a:t>
+            </a:r>
+          </a:p>
+          <a:p>
+            <a:pPr lvl="1"/>
+            <a:r>
+              <a:rPr lang="en-US" dirty="0"/>
+              <a:t>Incremental</a:t>
+            </a:r>
+          </a:p>
+          <a:p>
+            <a:r>
+              <a:rPr lang="en-US" dirty="0"/>
+              <a:t>Provisioned IOPS</a:t>
+            </a:r>
+          </a:p>
+          <a:p>
+            <a:r>
+              <a:rPr lang="en-US" dirty="0"/>
+              <a:t>Availability zone placement</a:t>
+            </a:r>
+          </a:p>
+          <a:p>
+            <a:endParaRPr lang="en-US" dirty="0"/>
+          </a:p>
+        </p:txBody>
+      </p:sp>
+      <p:pic>
+        <p:nvPicPr>
+          <p:cNvPr id="8" name="Picture 7">
+            <a:extLst>
+              <a:ext uri="{FF2B5EF4-FFF2-40B4-BE49-F238E27FC236}">
+                <a16:creationId xmlns:a16="http://schemas.microsoft.com/office/drawing/2014/main" id="{D0766947-7123-4C6E-88E4-80B0BBDAA78C}"/>
+              </a:ext>
+            </a:extLst>
+          </p:cNvPr>
+          <p:cNvPicPr>
+            <a:picLocks noChangeAspect="1"/>
+          </p:cNvPicPr>
+          <p:nvPr/>
+        </p:nvPicPr>
+        <p:blipFill>
+          <a:blip r:embed="rId2"/>
+          <a:stretch>
+            <a:fillRect/>
+          </a:stretch>
+        </p:blipFill>
+        <p:spPr>
+          <a:xfrm>
+            <a:off x="4618925" y="1129832"/>
+            <a:ext cx="4064000" cy="2794000"/>
+          </a:xfrm>
+          <a:prstGeom prst="rect">
+            <a:avLst/>
+          </a:prstGeom>
+        </p:spPr>
+      </p:pic>
+    </p:spTree>
+    <p:extLst>
+      <p:ext uri="{BB962C8B-B14F-4D97-AF65-F5344CB8AC3E}">
+        <p14:creationId xmlns:p14="http://schemas.microsoft.com/office/powerpoint/2010/main" val="1639839840"/>
+      </p:ext>
+    </p:extLst>
+  </p:cSld>
+  <p:clrMapOvr>
+    <a:masterClrMapping/>
+  </p:clrMapOvr>
+</p:sld>
+</file>
+
+<file path=ppt/slides/slide5.xml><?xml version="1.0" encoding="utf-8"?>
+<p:sld xmlns:a="http://schemas.openxmlformats.org/drawingml/2006/main" xmlns:r="http://schemas.openxmlformats.org/officeDocument/2006/relationships" xmlns:p="http://schemas.openxmlformats.org/presentationml/2006/main">
+  <p:cSld>
+    <p:spTree>
+      <p:nvGrpSpPr>
+        <p:cNvPr id="1" name=""/>
+        <p:cNvGrpSpPr/>
+        <p:nvPr/>
+      </p:nvGrpSpPr>
+      <p:grpSpPr>
+        <a:xfrm>
+          <a:off x="0" y="0"/>
+          <a:ext cx="0" cy="0"/>
+          <a:chOff x="0" y="0"/>
+          <a:chExt cx="0" cy="0"/>
+        </a:xfrm>
+      </p:grpSpPr>
+      <p:sp>
+        <p:nvSpPr>
+          <p:cNvPr id="2" name="Content Placeholder 1"/>
+          <p:cNvSpPr>
+            <a:spLocks noGrp="1"/>
+          </p:cNvSpPr>
+          <p:nvPr>
+            <p:ph idx="1"/>
+          </p:nvPr>
+        </p:nvSpPr>
+        <p:spPr>
+          <a:xfrm>
+            <a:off x="480484" y="1439864"/>
+            <a:ext cx="3900130" cy="4511040"/>
+          </a:xfrm>
+        </p:spPr>
+        <p:txBody>
+          <a:bodyPr/>
+          <a:lstStyle/>
+          <a:p>
+            <a:r>
+              <a:rPr lang="en-US" dirty="0"/>
+              <a:t>Configurable via API Router</a:t>
+            </a:r>
+          </a:p>
+          <a:p>
+            <a:r>
+              <a:rPr lang="en-US" dirty="0"/>
+              <a:t>You can have additional OS firewall</a:t>
+            </a:r>
+          </a:p>
+          <a:p>
+            <a:r>
+              <a:rPr lang="en-US" dirty="0"/>
+              <a:t>Elastic Network Interface</a:t>
+            </a:r>
+          </a:p>
+          <a:p>
+            <a:r>
+              <a:rPr lang="en-US" dirty="0"/>
+              <a:t>Limit of 250 rules per interface</a:t>
+            </a:r>
+          </a:p>
+          <a:p>
+            <a:r>
+              <a:rPr lang="en-US" dirty="0"/>
+              <a:t>Defines Inbound and Outbound ports mapping</a:t>
+            </a:r>
+          </a:p>
+          <a:p>
+            <a:endParaRPr lang="en-US" dirty="0"/>
+          </a:p>
+        </p:txBody>
+      </p:sp>
+      <p:sp>
+        <p:nvSpPr>
+          <p:cNvPr id="3" name="Text Placeholder 2"/>
+          <p:cNvSpPr>
+            <a:spLocks noGrp="1"/>
+          </p:cNvSpPr>
+          <p:nvPr>
+            <p:ph type="body" sz="quarter" idx="10"/>
+          </p:nvPr>
+        </p:nvSpPr>
+        <p:spPr/>
+        <p:txBody>
+          <a:bodyPr/>
+          <a:lstStyle/>
+          <a:p>
+            <a:r>
+              <a:rPr lang="en-US" dirty="0"/>
+              <a:t>Security Groups</a:t>
+            </a:r>
+          </a:p>
+        </p:txBody>
+      </p:sp>
+      <p:pic>
+        <p:nvPicPr>
+          <p:cNvPr id="1026" name="Picture 2" descr="https://documents.lucidchart.com/documents/34de2e85-3a43-4d40-b7ec-d50ea4a1396e/pages/0_0?a=141&amp;x=149&amp;y=47&amp;w=1122&amp;h=726&amp;store=1&amp;accept=image%2F*&amp;auth=LCA%20473ad0b5faefdad23daf0dc2fe41dcd82e539771-ts%3D1520300752"/>
+          <p:cNvPicPr>
+            <a:picLocks noChangeAspect="1" noChangeArrowheads="1"/>
+          </p:cNvPicPr>
+          <p:nvPr/>
+        </p:nvPicPr>
+        <p:blipFill rotWithShape="1">
+          <a:blip r:embed="rId2">
+            <a:extLst>
+              <a:ext uri="{28A0092B-C50C-407E-A947-70E740481C1C}">
+                <a14:useLocalDpi xmlns:a14="http://schemas.microsoft.com/office/drawing/2010/main" val="0"/>
+              </a:ext>
+            </a:extLst>
+          </a:blip>
+          <a:srcRect l="4242"/>
+          <a:stretch/>
+        </p:blipFill>
+        <p:spPr bwMode="auto">
+          <a:xfrm>
+            <a:off x="4627248" y="1439864"/>
+            <a:ext cx="5067566" cy="3425394"/>
+          </a:xfrm>
+          <a:prstGeom prst="rect">
+            <a:avLst/>
+          </a:prstGeom>
+          <a:noFill/>
+          <a:extLst>
+            <a:ext uri="{909E8E84-426E-40DD-AFC4-6F175D3DCCD1}">
+              <a14:hiddenFill xmlns:a14="http://schemas.microsoft.com/office/drawing/2010/main">
+                <a:solidFill>
+                  <a:srgbClr val="FFFFFF"/>
+                </a:solidFill>
+              </a14:hiddenFill>
+            </a:ext>
+          </a:extLst>
+        </p:spPr>
+      </p:pic>
+    </p:spTree>
+    <p:extLst>
+      <p:ext uri="{BB962C8B-B14F-4D97-AF65-F5344CB8AC3E}">
+        <p14:creationId xmlns:p14="http://schemas.microsoft.com/office/powerpoint/2010/main" val="1805069761"/>
+      </p:ext>
+    </p:extLst>
+  </p:cSld>
+  <p:clrMapOvr>
+    <a:masterClrMapping/>
+  </p:clrMapOvr>
+</p:sld>
+</file>
+
+<file path=ppt/slides/slide6.xml><?xml version="1.0" encoding="utf-8"?>
+<p:sld xmlns:a="http://schemas.openxmlformats.org/drawingml/2006/main" xmlns:r="http://schemas.openxmlformats.org/officeDocument/2006/relationships" xmlns:p="http://schemas.openxmlformats.org/presentationml/2006/main">
+  <p:cSld>
+    <p:spTree>
+      <p:nvGrpSpPr>
+        <p:cNvPr id="1" name=""/>
+        <p:cNvGrpSpPr/>
+        <p:nvPr/>
+      </p:nvGrpSpPr>
+      <p:grpSpPr>
+        <a:xfrm>
+          <a:off x="0" y="0"/>
+          <a:ext cx="0" cy="0"/>
+          <a:chOff x="0" y="0"/>
+          <a:chExt cx="0" cy="0"/>
+        </a:xfrm>
+      </p:grpSpPr>
+      <p:sp>
+        <p:nvSpPr>
+          <p:cNvPr id="19" name="Title 2">
+            <a:extLst>
+              <a:ext uri="{FF2B5EF4-FFF2-40B4-BE49-F238E27FC236}">
+                <a16:creationId xmlns:a16="http://schemas.microsoft.com/office/drawing/2014/main" id="{7F1FB26D-66CC-45E4-B126-1A4B71844352}"/>
+              </a:ext>
+            </a:extLst>
+          </p:cNvPr>
+          <p:cNvSpPr>
+            <a:spLocks noGrp="1"/>
+          </p:cNvSpPr>
+          <p:nvPr>
+            <p:ph type="title"/>
+          </p:nvPr>
+        </p:nvSpPr>
+        <p:spPr>
+          <a:xfrm>
+            <a:off x="304800" y="228600"/>
+            <a:ext cx="10769600" cy="543739"/>
+          </a:xfrm>
+        </p:spPr>
+        <p:txBody>
+          <a:bodyPr>
+            <a:normAutofit/>
+          </a:bodyPr>
+          <a:lstStyle/>
+          <a:p>
+            <a:r>
+              <a:rPr lang="en-US" sz="2700" dirty="0">
+                <a:solidFill>
+                  <a:schemeClr val="tx1">
+                    <a:lumMod val="75000"/>
+                    <a:lumOff val="25000"/>
+                  </a:schemeClr>
+                </a:solidFill>
+                <a:latin typeface="Arial Black"/>
+                <a:ea typeface="+mn-ea"/>
+              </a:rPr>
+              <a:t>VPC</a:t>
+            </a:r>
+          </a:p>
+        </p:txBody>
+      </p:sp>
+      <p:pic>
+        <p:nvPicPr>
+          <p:cNvPr id="1026" name="Picture 2" descr="&#10;          A VPC with public and private subnets and a NAT gateway&#10;        ">
+            <a:extLst>
+              <a:ext uri="{FF2B5EF4-FFF2-40B4-BE49-F238E27FC236}">
+                <a16:creationId xmlns:a16="http://schemas.microsoft.com/office/drawing/2014/main" id="{CA9E251D-7185-43BB-A64C-2B057911520E}"/>
+              </a:ext>
+            </a:extLst>
+          </p:cNvPr>
+          <p:cNvPicPr>
+            <a:picLocks noChangeAspect="1" noChangeArrowheads="1"/>
+          </p:cNvPicPr>
+          <p:nvPr/>
+        </p:nvPicPr>
+        <p:blipFill>
+          <a:blip r:embed="rId2">
+            <a:extLst>
+              <a:ext uri="{28A0092B-C50C-407E-A947-70E740481C1C}">
+                <a14:useLocalDpi xmlns:a14="http://schemas.microsoft.com/office/drawing/2010/main" val="0"/>
+              </a:ext>
+            </a:extLst>
+          </a:blip>
+          <a:srcRect/>
+          <a:stretch>
+            <a:fillRect/>
+          </a:stretch>
+        </p:blipFill>
+        <p:spPr bwMode="auto">
+          <a:xfrm>
+            <a:off x="3460507" y="909318"/>
+            <a:ext cx="6655975" cy="5041586"/>
+          </a:xfrm>
+          <a:prstGeom prst="rect">
+            <a:avLst/>
+          </a:prstGeom>
+          <a:noFill/>
+          <a:extLst>
+            <a:ext uri="{909E8E84-426E-40DD-AFC4-6F175D3DCCD1}">
+              <a14:hiddenFill xmlns:a14="http://schemas.microsoft.com/office/drawing/2010/main">
+                <a:solidFill>
+                  <a:srgbClr val="FFFFFF"/>
+                </a:solidFill>
+              </a14:hiddenFill>
+            </a:ext>
+          </a:extLst>
+        </p:spPr>
+      </p:pic>
+      <p:sp>
+        <p:nvSpPr>
+          <p:cNvPr id="18" name="Content Placeholder 1">
+            <a:extLst>
+              <a:ext uri="{FF2B5EF4-FFF2-40B4-BE49-F238E27FC236}">
+                <a16:creationId xmlns:a16="http://schemas.microsoft.com/office/drawing/2014/main" id="{83B283A2-FDF1-4F7B-876A-54134CE2715A}"/>
+              </a:ext>
+            </a:extLst>
+          </p:cNvPr>
+          <p:cNvSpPr>
+            <a:spLocks noGrp="1"/>
+          </p:cNvSpPr>
+          <p:nvPr>
+            <p:ph idx="1"/>
+          </p:nvPr>
+        </p:nvSpPr>
+        <p:spPr>
+          <a:xfrm>
+            <a:off x="480484" y="1439864"/>
+            <a:ext cx="11119104" cy="4511040"/>
+          </a:xfrm>
+        </p:spPr>
+        <p:txBody>
+          <a:bodyPr>
+            <a:normAutofit/>
+          </a:bodyPr>
+          <a:lstStyle/>
+          <a:p>
+            <a:r>
+              <a:rPr lang="en-US" dirty="0"/>
+              <a:t>VPC</a:t>
+            </a:r>
+          </a:p>
+          <a:p>
+            <a:r>
+              <a:rPr lang="en-US" dirty="0"/>
+              <a:t>Region</a:t>
+            </a:r>
+          </a:p>
+          <a:p>
+            <a:r>
+              <a:rPr lang="en-US" dirty="0"/>
+              <a:t>Availability zone</a:t>
+            </a:r>
+          </a:p>
+          <a:p>
+            <a:r>
+              <a:rPr lang="en-US" dirty="0"/>
+              <a:t>Private Net</a:t>
+            </a:r>
+          </a:p>
+          <a:p>
+            <a:r>
+              <a:rPr lang="en-US" dirty="0"/>
+              <a:t>Public Net</a:t>
+            </a:r>
+          </a:p>
+          <a:p>
+            <a:r>
+              <a:rPr lang="en-US" dirty="0"/>
+              <a:t>Subnet</a:t>
+            </a:r>
+          </a:p>
+          <a:p>
+            <a:r>
+              <a:rPr lang="en-US" dirty="0"/>
+              <a:t>NAT</a:t>
+            </a:r>
+          </a:p>
+          <a:p>
+            <a:r>
+              <a:rPr lang="en-US" dirty="0"/>
+              <a:t>Route 53 (DNS)</a:t>
+            </a:r>
+          </a:p>
+          <a:p>
+            <a:r>
+              <a:rPr lang="en-US" dirty="0"/>
+              <a:t>Route table</a:t>
+            </a:r>
+          </a:p>
+        </p:txBody>
+      </p:sp>
+    </p:spTree>
+    <p:extLst>
+      <p:ext uri="{BB962C8B-B14F-4D97-AF65-F5344CB8AC3E}">
+        <p14:creationId xmlns:p14="http://schemas.microsoft.com/office/powerpoint/2010/main" val="3250235399"/>
+      </p:ext>
+    </p:extLst>
+  </p:cSld>
+  <p:clrMapOvr>
+    <a:masterClrMapping/>
+  </p:clrMapOvr>
+</p:sld>
+</file>
+
+<file path=ppt/slides/slide7.xml><?xml version="1.0" encoding="utf-8"?>
+<p:sld xmlns:a="http://schemas.openxmlformats.org/drawingml/2006/main" xmlns:r="http://schemas.openxmlformats.org/officeDocument/2006/relationships" xmlns:p="http://schemas.openxmlformats.org/presentationml/2006/main">
+  <p:cSld>
+    <p:spTree>
+      <p:nvGrpSpPr>
+        <p:cNvPr id="1" name=""/>
+        <p:cNvGrpSpPr/>
+        <p:nvPr/>
+      </p:nvGrpSpPr>
+      <p:grpSpPr>
+        <a:xfrm>
+          <a:off x="0" y="0"/>
+          <a:ext cx="0" cy="0"/>
+          <a:chOff x="0" y="0"/>
+          <a:chExt cx="0" cy="0"/>
+        </a:xfrm>
+      </p:grpSpPr>
+      <p:sp>
+        <p:nvSpPr>
+          <p:cNvPr id="3" name="Text Placeholder 2"/>
+          <p:cNvSpPr>
+            <a:spLocks noGrp="1"/>
+          </p:cNvSpPr>
+          <p:nvPr>
+            <p:ph type="body" sz="quarter" idx="10"/>
+          </p:nvPr>
+        </p:nvSpPr>
+        <p:spPr>
+          <a:xfrm>
+            <a:off x="0" y="0"/>
+            <a:ext cx="12192000" cy="932688"/>
+          </a:xfrm>
+        </p:spPr>
+        <p:txBody>
+          <a:bodyPr/>
+          <a:lstStyle/>
+          <a:p>
+            <a:r>
+              <a:rPr lang="en-US" sz="2400" dirty="0"/>
+              <a:t>Sample AWS Architectures</a:t>
+            </a:r>
+            <a:endParaRPr lang="en-US" dirty="0"/>
+          </a:p>
+        </p:txBody>
+      </p:sp>
+      <p:pic>
+        <p:nvPicPr>
+          <p:cNvPr id="10" name="Picture 9">
+            <a:extLst>
+              <a:ext uri="{FF2B5EF4-FFF2-40B4-BE49-F238E27FC236}">
+                <a16:creationId xmlns:a16="http://schemas.microsoft.com/office/drawing/2014/main" id="{830255B3-E876-4766-842F-2528D7E3725C}"/>
+              </a:ext>
+            </a:extLst>
+          </p:cNvPr>
+          <p:cNvPicPr>
+            <a:picLocks noChangeAspect="1"/>
+          </p:cNvPicPr>
+          <p:nvPr/>
+        </p:nvPicPr>
+        <p:blipFill>
+          <a:blip r:embed="rId2"/>
+          <a:stretch>
+            <a:fillRect/>
+          </a:stretch>
+        </p:blipFill>
+        <p:spPr>
+          <a:xfrm>
+            <a:off x="1019175" y="1319212"/>
+            <a:ext cx="7905750" cy="4943475"/>
+          </a:xfrm>
+          <a:prstGeom prst="rect">
+            <a:avLst/>
+          </a:prstGeom>
+        </p:spPr>
+      </p:pic>
+    </p:spTree>
+    <p:extLst>
+      <p:ext uri="{BB962C8B-B14F-4D97-AF65-F5344CB8AC3E}">
+        <p14:creationId xmlns:p14="http://schemas.microsoft.com/office/powerpoint/2010/main" val="432767578"/>
+      </p:ext>
+    </p:extLst>
+  </p:cSld>
+  <p:clrMapOvr>
+    <a:masterClrMapping/>
+  </p:clrMapOvr>
+</p:sld>
+</file>
+
+<file path=ppt/slides/slide8.xml><?xml version="1.0" encoding="utf-8"?>
+<p:sld xmlns:a="http://schemas.openxmlformats.org/drawingml/2006/main" xmlns:r="http://schemas.openxmlformats.org/officeDocument/2006/relationships" xmlns:p="http://schemas.openxmlformats.org/presentationml/2006/main">
+  <p:cSld>
+    <p:spTree>
+      <p:nvGrpSpPr>
+        <p:cNvPr id="1" name=""/>
+        <p:cNvGrpSpPr/>
+        <p:nvPr/>
+      </p:nvGrpSpPr>
+      <p:grpSpPr>
+        <a:xfrm>
+          <a:off x="0" y="0"/>
+          <a:ext cx="0" cy="0"/>
+          <a:chOff x="0" y="0"/>
+          <a:chExt cx="0" cy="0"/>
+        </a:xfrm>
+      </p:grpSpPr>
+      <p:sp>
+        <p:nvSpPr>
+          <p:cNvPr id="3" name="Text Placeholder 2"/>
+          <p:cNvSpPr>
+            <a:spLocks noGrp="1"/>
+          </p:cNvSpPr>
+          <p:nvPr>
+            <p:ph type="body" sz="quarter" idx="10"/>
+          </p:nvPr>
+        </p:nvSpPr>
+        <p:spPr>
+          <a:xfrm>
+            <a:off x="0" y="0"/>
+            <a:ext cx="12192000" cy="932688"/>
+          </a:xfrm>
+        </p:spPr>
+        <p:txBody>
+          <a:bodyPr/>
+          <a:lstStyle/>
+          <a:p>
+            <a:r>
+              <a:rPr lang="en-US" sz="2400" dirty="0"/>
+              <a:t>S3 vs EBS vs S3</a:t>
+            </a:r>
+            <a:endParaRPr lang="en-US" dirty="0"/>
+          </a:p>
+        </p:txBody>
+      </p:sp>
+      <p:pic>
+        <p:nvPicPr>
+          <p:cNvPr id="4" name="Picture 3">
+            <a:extLst>
+              <a:ext uri="{FF2B5EF4-FFF2-40B4-BE49-F238E27FC236}">
+                <a16:creationId xmlns:a16="http://schemas.microsoft.com/office/drawing/2014/main" id="{D7789381-E6A8-49AE-B668-C7F7358492D6}"/>
+              </a:ext>
+            </a:extLst>
+          </p:cNvPr>
+          <p:cNvPicPr>
+            <a:picLocks noChangeAspect="1"/>
+          </p:cNvPicPr>
+          <p:nvPr/>
+        </p:nvPicPr>
+        <p:blipFill>
+          <a:blip r:embed="rId2"/>
+          <a:stretch>
+            <a:fillRect/>
+          </a:stretch>
+        </p:blipFill>
+        <p:spPr>
+          <a:xfrm>
+            <a:off x="444624" y="3329772"/>
+            <a:ext cx="3971925" cy="3305175"/>
+          </a:xfrm>
+          <a:prstGeom prst="rect">
+            <a:avLst/>
+          </a:prstGeom>
+        </p:spPr>
+      </p:pic>
+      <p:pic>
+        <p:nvPicPr>
+          <p:cNvPr id="2" name="Picture 1">
+            <a:extLst>
+              <a:ext uri="{FF2B5EF4-FFF2-40B4-BE49-F238E27FC236}">
+                <a16:creationId xmlns:a16="http://schemas.microsoft.com/office/drawing/2014/main" id="{BF76C50D-B9B3-48DE-A089-2A437207EADB}"/>
+              </a:ext>
+            </a:extLst>
+          </p:cNvPr>
+          <p:cNvPicPr>
+            <a:picLocks noChangeAspect="1"/>
+          </p:cNvPicPr>
+          <p:nvPr/>
+        </p:nvPicPr>
+        <p:blipFill>
+          <a:blip r:embed="rId3"/>
+          <a:stretch>
+            <a:fillRect/>
+          </a:stretch>
+        </p:blipFill>
+        <p:spPr>
+          <a:xfrm>
+            <a:off x="608745" y="1319335"/>
+            <a:ext cx="3655828" cy="1875640"/>
+          </a:xfrm>
+          <a:prstGeom prst="rect">
+            <a:avLst/>
+          </a:prstGeom>
+        </p:spPr>
+      </p:pic>
+    </p:spTree>
+    <p:extLst>
+      <p:ext uri="{BB962C8B-B14F-4D97-AF65-F5344CB8AC3E}">
+        <p14:creationId xmlns:p14="http://schemas.microsoft.com/office/powerpoint/2010/main" val="3603932377"/>
+      </p:ext>
+    </p:extLst>
+  </p:cSld>
+  <p:clrMapOvr>
+    <a:masterClrMapping/>
+  </p:clrMapOvr>
+</p:sld>
+</file>
+
+<file path=ppt/slides/slide9.xml><?xml version="1.0" encoding="utf-8"?>
+<p:sld xmlns:a="http://schemas.openxmlformats.org/drawingml/2006/main" xmlns:r="http://schemas.openxmlformats.org/officeDocument/2006/relationships" xmlns:p="http://schemas.openxmlformats.org/presentationml/2006/main">
+  <p:cSld>
+    <p:spTree>
+      <p:nvGrpSpPr>
+        <p:cNvPr id="1" name=""/>
+        <p:cNvGrpSpPr/>
+        <p:nvPr/>
+      </p:nvGrpSpPr>
+      <p:grpSpPr>
+        <a:xfrm>
+          <a:off x="0" y="0"/>
+          <a:ext cx="0" cy="0"/>
+          <a:chOff x="0" y="0"/>
+          <a:chExt cx="0" cy="0"/>
+        </a:xfrm>
+      </p:grpSpPr>
+      <p:sp>
+        <p:nvSpPr>
+          <p:cNvPr id="3" name="Text Placeholder 2"/>
+          <p:cNvSpPr>
+            <a:spLocks noGrp="1"/>
+          </p:cNvSpPr>
+          <p:nvPr>
+            <p:ph type="body" sz="quarter" idx="10"/>
+          </p:nvPr>
+        </p:nvSpPr>
+        <p:spPr>
+          <a:xfrm>
+            <a:off x="0" y="0"/>
+            <a:ext cx="12192000" cy="932688"/>
+          </a:xfrm>
+        </p:spPr>
+        <p:txBody>
+          <a:bodyPr/>
+          <a:lstStyle/>
+          <a:p>
+            <a:r>
+              <a:rPr lang="en-US" sz="2400" dirty="0"/>
+              <a:t>IOPS</a:t>
+            </a:r>
+            <a:endParaRPr lang="en-US" dirty="0"/>
+          </a:p>
+        </p:txBody>
+      </p:sp>
+      <p:pic>
+        <p:nvPicPr>
+          <p:cNvPr id="8" name="Picture 7">
+            <a:extLst>
+              <a:ext uri="{FF2B5EF4-FFF2-40B4-BE49-F238E27FC236}">
+                <a16:creationId xmlns:a16="http://schemas.microsoft.com/office/drawing/2014/main" id="{916DF9AE-C0F3-4161-95AB-7EBE657B8DFC}"/>
+              </a:ext>
+            </a:extLst>
+          </p:cNvPr>
+          <p:cNvPicPr>
+            <a:picLocks noChangeAspect="1"/>
+          </p:cNvPicPr>
+          <p:nvPr/>
+        </p:nvPicPr>
+        <p:blipFill>
+          <a:blip r:embed="rId2"/>
+          <a:stretch>
+            <a:fillRect/>
+          </a:stretch>
+        </p:blipFill>
+        <p:spPr>
+          <a:xfrm>
+            <a:off x="688716" y="1702428"/>
+            <a:ext cx="4639932" cy="1118694"/>
+          </a:xfrm>
+          <a:prstGeom prst="rect">
+            <a:avLst/>
+          </a:prstGeom>
+        </p:spPr>
+      </p:pic>
+      <p:pic>
+        <p:nvPicPr>
+          <p:cNvPr id="14" name="Picture 13">
+            <a:extLst>
+              <a:ext uri="{FF2B5EF4-FFF2-40B4-BE49-F238E27FC236}">
+                <a16:creationId xmlns:a16="http://schemas.microsoft.com/office/drawing/2014/main" id="{0395FACF-6D19-4BA5-8C63-78C450BE8837}"/>
+              </a:ext>
+            </a:extLst>
+          </p:cNvPr>
+          <p:cNvPicPr>
+            <a:picLocks noChangeAspect="1"/>
+          </p:cNvPicPr>
+          <p:nvPr/>
+        </p:nvPicPr>
+        <p:blipFill>
+          <a:blip r:embed="rId3"/>
+          <a:stretch>
+            <a:fillRect/>
+          </a:stretch>
+        </p:blipFill>
+        <p:spPr>
+          <a:xfrm>
+            <a:off x="688717" y="2822122"/>
+            <a:ext cx="3781682" cy="2378209"/>
+          </a:xfrm>
+          <a:prstGeom prst="rect">
+            <a:avLst/>
+          </a:prstGeom>
+        </p:spPr>
+      </p:pic>
+    </p:spTree>
+    <p:extLst>
+      <p:ext uri="{BB962C8B-B14F-4D97-AF65-F5344CB8AC3E}">
+        <p14:creationId xmlns:p14="http://schemas.microsoft.com/office/powerpoint/2010/main" val="2557010900"/>
       </p:ext>
     </p:extLst>
   </p:cSld>

--- a/Lecture_2_Compute_Resources/Compute_Resources.pptx
+++ b/Lecture_2_Compute_Resources/Compute_Resources.pptx
@@ -146,6 +146,32 @@
     </p:ext>
   </p:extLst>
 </p:presentation>
+</file>
+
+<file path=ppt/commentAuthors.xml><?xml version="1.0" encoding="utf-8"?>
+<p:cmAuthorLst xmlns:a="http://schemas.openxmlformats.org/drawingml/2006/main" xmlns:r="http://schemas.openxmlformats.org/officeDocument/2006/relationships" xmlns:p="http://schemas.openxmlformats.org/presentationml/2006/main">
+  <p:cmAuthor id="1" name="Sergei Zheleznov" initials="SZ" lastIdx="1" clrIdx="0">
+    <p:extLst>
+      <p:ext uri="{19B8F6BF-5375-455C-9EA6-DF929625EA0E}">
+        <p15:presenceInfo xmlns:p15="http://schemas.microsoft.com/office/powerpoint/2012/main" userId="S::Sergei_Zheleznov@epam.com::f31ffad8-8c49-4020-b900-3dc004948b47" providerId="AD"/>
+      </p:ext>
+    </p:extLst>
+  </p:cmAuthor>
+</p:cmAuthorLst>
+</file>
+
+<file path=ppt/comments/comment1.xml><?xml version="1.0" encoding="utf-8"?>
+<p:cmLst xmlns:a="http://schemas.openxmlformats.org/drawingml/2006/main" xmlns:r="http://schemas.openxmlformats.org/officeDocument/2006/relationships" xmlns:p="http://schemas.openxmlformats.org/presentationml/2006/main">
+  <p:cm authorId="1" dt="2019-10-03T11:17:20.986" idx="1">
+    <p:pos x="10" y="10"/>
+    <p:text/>
+    <p:extLst>
+      <p:ext uri="{C676402C-5697-4E1C-873F-D02D1690AC5C}">
+        <p15:threadingInfo xmlns:p15="http://schemas.microsoft.com/office/powerpoint/2012/main" timeZoneBias="-180"/>
+      </p:ext>
+    </p:extLst>
+  </p:cm>
+</p:cmLst>
 </file>
 
 <file path=ppt/notesMasters/notesMaster1.xml><?xml version="1.0" encoding="utf-8"?>
@@ -7405,19 +7431,25 @@
           <a:p>
             <a:r>
               <a:rPr lang="en-US" dirty="0"/>
-              <a:t>EC2 Instance</a:t>
+              <a:t>Add Keypair</a:t>
             </a:r>
           </a:p>
           <a:p>
             <a:r>
               <a:rPr lang="en-US" dirty="0"/>
-              <a:t>Security Group</a:t>
+              <a:t>Launch EC2 instance</a:t>
             </a:r>
           </a:p>
           <a:p>
             <a:r>
               <a:rPr lang="en-US" dirty="0"/>
-              <a:t>Open Ports</a:t>
+              <a:t>Create or make Snapshot of EBS Volume</a:t>
+            </a:r>
+          </a:p>
+          <a:p>
+            <a:r>
+              <a:rPr lang="en-US" dirty="0"/>
+              <a:t>***SSH EC2 instance (generate SSH key with Putty generator and Import to Console .pub part)</a:t>
             </a:r>
           </a:p>
         </p:txBody>
@@ -8863,6 +8895,451 @@
           </a:prstGeom>
         </p:spPr>
       </p:pic>
+      <p:sp>
+        <p:nvSpPr>
+          <p:cNvPr id="10" name="Rectangle 5">
+            <a:extLst>
+              <a:ext uri="{FF2B5EF4-FFF2-40B4-BE49-F238E27FC236}">
+                <a16:creationId xmlns:a16="http://schemas.microsoft.com/office/drawing/2014/main" id="{F34A53AB-17B7-43A1-8021-A1131A6C3D6F}"/>
+              </a:ext>
+            </a:extLst>
+          </p:cNvPr>
+          <p:cNvSpPr>
+            <a:spLocks noChangeArrowheads="1"/>
+          </p:cNvSpPr>
+          <p:nvPr/>
+        </p:nvSpPr>
+        <p:spPr bwMode="auto">
+          <a:xfrm>
+            <a:off x="5221639" y="3355743"/>
+            <a:ext cx="4109930" cy="1169551"/>
+          </a:xfrm>
+          <a:prstGeom prst="rect">
+            <a:avLst/>
+          </a:prstGeom>
+          <a:solidFill>
+            <a:srgbClr val="FFFFFF"/>
+          </a:solidFill>
+          <a:ln>
+            <a:noFill/>
+          </a:ln>
+          <a:effectLst/>
+          <a:extLst>
+            <a:ext uri="{91240B29-F687-4F45-9708-019B960494DF}">
+              <a14:hiddenLine xmlns:a14="http://schemas.microsoft.com/office/drawing/2010/main" w="9525">
+                <a:solidFill>
+                  <a:schemeClr val="tx1"/>
+                </a:solidFill>
+                <a:miter lim="800000"/>
+                <a:headEnd/>
+                <a:tailEnd/>
+              </a14:hiddenLine>
+            </a:ext>
+            <a:ext uri="{AF507438-7753-43E0-B8FC-AC1667EBCBE1}">
+              <a14:hiddenEffects xmlns:a14="http://schemas.microsoft.com/office/drawing/2010/main">
+                <a:effectLst>
+                  <a:outerShdw dist="35921" dir="2700000" algn="ctr" rotWithShape="0">
+                    <a:schemeClr val="bg2"/>
+                  </a:outerShdw>
+                </a:effectLst>
+              </a14:hiddenEffects>
+            </a:ext>
+          </a:extLst>
+        </p:spPr>
+        <p:txBody>
+          <a:bodyPr vert="horz" wrap="square" lIns="91440" tIns="45720" rIns="91440" bIns="45720" numCol="1" anchor="ctr" anchorCtr="0" compatLnSpc="1">
+            <a:prstTxWarp prst="textNoShape">
+              <a:avLst/>
+            </a:prstTxWarp>
+            <a:spAutoFit/>
+          </a:bodyPr>
+          <a:lstStyle>
+            <a:lvl1pPr eaLnBrk="0" fontAlgn="base" hangingPunct="0">
+              <a:spcBef>
+                <a:spcPct val="0"/>
+              </a:spcBef>
+              <a:spcAft>
+                <a:spcPct val="0"/>
+              </a:spcAft>
+              <a:defRPr>
+                <a:solidFill>
+                  <a:schemeClr val="tx1"/>
+                </a:solidFill>
+                <a:latin typeface="Arial" panose="020B0604020202020204" pitchFamily="34" charset="0"/>
+              </a:defRPr>
+            </a:lvl1pPr>
+            <a:lvl2pPr eaLnBrk="0" fontAlgn="base" hangingPunct="0">
+              <a:spcBef>
+                <a:spcPct val="0"/>
+              </a:spcBef>
+              <a:spcAft>
+                <a:spcPct val="0"/>
+              </a:spcAft>
+              <a:defRPr>
+                <a:solidFill>
+                  <a:schemeClr val="tx1"/>
+                </a:solidFill>
+                <a:latin typeface="Arial" panose="020B0604020202020204" pitchFamily="34" charset="0"/>
+              </a:defRPr>
+            </a:lvl2pPr>
+            <a:lvl3pPr eaLnBrk="0" fontAlgn="base" hangingPunct="0">
+              <a:spcBef>
+                <a:spcPct val="0"/>
+              </a:spcBef>
+              <a:spcAft>
+                <a:spcPct val="0"/>
+              </a:spcAft>
+              <a:defRPr>
+                <a:solidFill>
+                  <a:schemeClr val="tx1"/>
+                </a:solidFill>
+                <a:latin typeface="Arial" panose="020B0604020202020204" pitchFamily="34" charset="0"/>
+              </a:defRPr>
+            </a:lvl3pPr>
+            <a:lvl4pPr eaLnBrk="0" fontAlgn="base" hangingPunct="0">
+              <a:spcBef>
+                <a:spcPct val="0"/>
+              </a:spcBef>
+              <a:spcAft>
+                <a:spcPct val="0"/>
+              </a:spcAft>
+              <a:defRPr>
+                <a:solidFill>
+                  <a:schemeClr val="tx1"/>
+                </a:solidFill>
+                <a:latin typeface="Arial" panose="020B0604020202020204" pitchFamily="34" charset="0"/>
+              </a:defRPr>
+            </a:lvl4pPr>
+            <a:lvl5pPr eaLnBrk="0" fontAlgn="base" hangingPunct="0">
+              <a:spcBef>
+                <a:spcPct val="0"/>
+              </a:spcBef>
+              <a:spcAft>
+                <a:spcPct val="0"/>
+              </a:spcAft>
+              <a:defRPr>
+                <a:solidFill>
+                  <a:schemeClr val="tx1"/>
+                </a:solidFill>
+                <a:latin typeface="Arial" panose="020B0604020202020204" pitchFamily="34" charset="0"/>
+              </a:defRPr>
+            </a:lvl5pPr>
+            <a:lvl6pPr eaLnBrk="0" fontAlgn="base" hangingPunct="0">
+              <a:spcBef>
+                <a:spcPct val="0"/>
+              </a:spcBef>
+              <a:spcAft>
+                <a:spcPct val="0"/>
+              </a:spcAft>
+              <a:defRPr>
+                <a:solidFill>
+                  <a:schemeClr val="tx1"/>
+                </a:solidFill>
+                <a:latin typeface="Arial" panose="020B0604020202020204" pitchFamily="34" charset="0"/>
+              </a:defRPr>
+            </a:lvl6pPr>
+            <a:lvl7pPr eaLnBrk="0" fontAlgn="base" hangingPunct="0">
+              <a:spcBef>
+                <a:spcPct val="0"/>
+              </a:spcBef>
+              <a:spcAft>
+                <a:spcPct val="0"/>
+              </a:spcAft>
+              <a:defRPr>
+                <a:solidFill>
+                  <a:schemeClr val="tx1"/>
+                </a:solidFill>
+                <a:latin typeface="Arial" panose="020B0604020202020204" pitchFamily="34" charset="0"/>
+              </a:defRPr>
+            </a:lvl7pPr>
+            <a:lvl8pPr eaLnBrk="0" fontAlgn="base" hangingPunct="0">
+              <a:spcBef>
+                <a:spcPct val="0"/>
+              </a:spcBef>
+              <a:spcAft>
+                <a:spcPct val="0"/>
+              </a:spcAft>
+              <a:defRPr>
+                <a:solidFill>
+                  <a:schemeClr val="tx1"/>
+                </a:solidFill>
+                <a:latin typeface="Arial" panose="020B0604020202020204" pitchFamily="34" charset="0"/>
+              </a:defRPr>
+            </a:lvl8pPr>
+            <a:lvl9pPr eaLnBrk="0" fontAlgn="base" hangingPunct="0">
+              <a:spcBef>
+                <a:spcPct val="0"/>
+              </a:spcBef>
+              <a:spcAft>
+                <a:spcPct val="0"/>
+              </a:spcAft>
+              <a:defRPr>
+                <a:solidFill>
+                  <a:schemeClr val="tx1"/>
+                </a:solidFill>
+                <a:latin typeface="Arial" panose="020B0604020202020204" pitchFamily="34" charset="0"/>
+              </a:defRPr>
+            </a:lvl9pPr>
+          </a:lstStyle>
+          <a:p>
+            <a:pPr marL="0" marR="0" lvl="0" indent="0" algn="l" defTabSz="914400" rtl="0" eaLnBrk="0" fontAlgn="base" latinLnBrk="0" hangingPunct="0">
+              <a:lnSpc>
+                <a:spcPct val="100000"/>
+              </a:lnSpc>
+              <a:spcBef>
+                <a:spcPct val="0"/>
+              </a:spcBef>
+              <a:spcAft>
+                <a:spcPct val="0"/>
+              </a:spcAft>
+              <a:buClrTx/>
+              <a:buSzTx/>
+              <a:buFontTx/>
+              <a:buNone/>
+              <a:tabLst/>
+            </a:pPr>
+            <a:r>
+              <a:rPr kumimoji="0" lang="en-US" altLang="en-US" sz="1400" b="0" i="0" u="none" strike="noStrike" cap="none" normalizeH="0" baseline="0" dirty="0">
+                <a:ln>
+                  <a:noFill/>
+                </a:ln>
+                <a:solidFill>
+                  <a:srgbClr val="444444"/>
+                </a:solidFill>
+                <a:effectLst/>
+                <a:latin typeface="Amazon Ember"/>
+              </a:rPr>
+              <a:t>Amazon EBS provides the following volume types: </a:t>
+            </a:r>
+            <a:br>
+              <a:rPr kumimoji="0" lang="en-US" altLang="en-US" sz="1400" b="0" i="0" u="none" strike="noStrike" cap="none" normalizeH="0" baseline="0" dirty="0">
+                <a:ln>
+                  <a:noFill/>
+                </a:ln>
+                <a:solidFill>
+                  <a:srgbClr val="444444"/>
+                </a:solidFill>
+                <a:effectLst/>
+                <a:latin typeface="Amazon Ember"/>
+              </a:rPr>
+            </a:br>
+            <a:r>
+              <a:rPr kumimoji="0" lang="en-US" altLang="en-US" sz="1400" b="0" i="0" u="none" strike="noStrike" cap="none" normalizeH="0" baseline="0" dirty="0">
+                <a:ln>
+                  <a:noFill/>
+                </a:ln>
+                <a:solidFill>
+                  <a:srgbClr val="444444"/>
+                </a:solidFill>
+                <a:effectLst/>
+                <a:latin typeface="Amazon Ember"/>
+              </a:rPr>
+              <a:t>- General Purpose SSD (</a:t>
+            </a:r>
+            <a:r>
+              <a:rPr kumimoji="0" lang="en-US" altLang="en-US" sz="1400" b="0" i="0" u="none" strike="noStrike" cap="none" normalizeH="0" baseline="0" dirty="0">
+                <a:ln>
+                  <a:noFill/>
+                </a:ln>
+                <a:solidFill>
+                  <a:srgbClr val="444444"/>
+                </a:solidFill>
+                <a:effectLst/>
+                <a:latin typeface="Consolas" panose="020B0609020204030204" pitchFamily="49" charset="0"/>
+              </a:rPr>
+              <a:t>gp2</a:t>
+            </a:r>
+            <a:r>
+              <a:rPr kumimoji="0" lang="en-US" altLang="en-US" sz="1400" b="0" i="0" u="none" strike="noStrike" cap="none" normalizeH="0" baseline="0" dirty="0">
+                <a:ln>
+                  <a:noFill/>
+                </a:ln>
+                <a:solidFill>
+                  <a:srgbClr val="444444"/>
+                </a:solidFill>
+                <a:effectLst/>
+                <a:latin typeface="Amazon Ember"/>
+              </a:rPr>
+              <a:t>)</a:t>
+            </a:r>
+            <a:br>
+              <a:rPr kumimoji="0" lang="en-US" altLang="en-US" sz="1400" b="0" i="0" u="none" strike="noStrike" cap="none" normalizeH="0" baseline="0" dirty="0">
+                <a:ln>
+                  <a:noFill/>
+                </a:ln>
+                <a:solidFill>
+                  <a:srgbClr val="444444"/>
+                </a:solidFill>
+                <a:effectLst/>
+                <a:latin typeface="Amazon Ember"/>
+              </a:rPr>
+            </a:br>
+            <a:r>
+              <a:rPr kumimoji="0" lang="en-US" altLang="en-US" sz="1400" b="0" i="0" u="none" strike="noStrike" cap="none" normalizeH="0" baseline="0" dirty="0">
+                <a:ln>
+                  <a:noFill/>
+                </a:ln>
+                <a:solidFill>
+                  <a:srgbClr val="444444"/>
+                </a:solidFill>
+                <a:effectLst/>
+                <a:latin typeface="Amazon Ember"/>
+              </a:rPr>
+              <a:t>- Provisioned IOPS SSD (</a:t>
+            </a:r>
+            <a:r>
+              <a:rPr kumimoji="0" lang="en-US" altLang="en-US" sz="1400" b="0" i="0" u="none" strike="noStrike" cap="none" normalizeH="0" baseline="0" dirty="0">
+                <a:ln>
+                  <a:noFill/>
+                </a:ln>
+                <a:solidFill>
+                  <a:srgbClr val="444444"/>
+                </a:solidFill>
+                <a:effectLst/>
+                <a:latin typeface="Consolas" panose="020B0609020204030204" pitchFamily="49" charset="0"/>
+              </a:rPr>
+              <a:t>io1</a:t>
+            </a:r>
+            <a:r>
+              <a:rPr kumimoji="0" lang="en-US" altLang="en-US" sz="1400" b="0" i="0" u="none" strike="noStrike" cap="none" normalizeH="0" baseline="0" dirty="0">
+                <a:ln>
+                  <a:noFill/>
+                </a:ln>
+                <a:solidFill>
+                  <a:srgbClr val="444444"/>
+                </a:solidFill>
+                <a:effectLst/>
+                <a:latin typeface="Amazon Ember"/>
+              </a:rPr>
+              <a:t>)</a:t>
+            </a:r>
+            <a:br>
+              <a:rPr kumimoji="0" lang="en-US" altLang="en-US" sz="1400" b="0" i="0" u="none" strike="noStrike" cap="none" normalizeH="0" baseline="0" dirty="0">
+                <a:ln>
+                  <a:noFill/>
+                </a:ln>
+                <a:solidFill>
+                  <a:srgbClr val="444444"/>
+                </a:solidFill>
+                <a:effectLst/>
+                <a:latin typeface="Amazon Ember"/>
+              </a:rPr>
+            </a:br>
+            <a:r>
+              <a:rPr kumimoji="0" lang="en-US" altLang="en-US" sz="1400" b="0" i="0" u="none" strike="noStrike" cap="none" normalizeH="0" baseline="0" dirty="0">
+                <a:ln>
+                  <a:noFill/>
+                </a:ln>
+                <a:solidFill>
+                  <a:srgbClr val="444444"/>
+                </a:solidFill>
+                <a:effectLst/>
+                <a:latin typeface="Amazon Ember"/>
+              </a:rPr>
+              <a:t>- Throughput Optimized HDD (</a:t>
+            </a:r>
+            <a:r>
+              <a:rPr kumimoji="0" lang="en-US" altLang="en-US" sz="1400" b="0" i="0" u="none" strike="noStrike" cap="none" normalizeH="0" baseline="0" dirty="0">
+                <a:ln>
+                  <a:noFill/>
+                </a:ln>
+                <a:solidFill>
+                  <a:srgbClr val="444444"/>
+                </a:solidFill>
+                <a:effectLst/>
+                <a:latin typeface="Consolas" panose="020B0609020204030204" pitchFamily="49" charset="0"/>
+              </a:rPr>
+              <a:t>st1</a:t>
+            </a:r>
+            <a:r>
+              <a:rPr kumimoji="0" lang="en-US" altLang="en-US" sz="1400" b="0" i="0" u="none" strike="noStrike" cap="none" normalizeH="0" baseline="0" dirty="0">
+                <a:ln>
+                  <a:noFill/>
+                </a:ln>
+                <a:solidFill>
+                  <a:srgbClr val="444444"/>
+                </a:solidFill>
+                <a:effectLst/>
+                <a:latin typeface="Amazon Ember"/>
+              </a:rPr>
+              <a:t>)</a:t>
+            </a:r>
+            <a:br>
+              <a:rPr kumimoji="0" lang="en-US" altLang="en-US" sz="1400" b="0" i="0" u="none" strike="noStrike" cap="none" normalizeH="0" baseline="0" dirty="0">
+                <a:ln>
+                  <a:noFill/>
+                </a:ln>
+                <a:solidFill>
+                  <a:srgbClr val="444444"/>
+                </a:solidFill>
+                <a:effectLst/>
+                <a:latin typeface="Amazon Ember"/>
+              </a:rPr>
+            </a:br>
+            <a:r>
+              <a:rPr kumimoji="0" lang="en-US" altLang="en-US" sz="1400" b="0" i="0" u="none" strike="noStrike" cap="none" normalizeH="0" baseline="0" dirty="0">
+                <a:ln>
+                  <a:noFill/>
+                </a:ln>
+                <a:solidFill>
+                  <a:srgbClr val="444444"/>
+                </a:solidFill>
+                <a:effectLst/>
+                <a:latin typeface="Amazon Ember"/>
+              </a:rPr>
+              <a:t>- Cold HDD (</a:t>
+            </a:r>
+            <a:r>
+              <a:rPr kumimoji="0" lang="en-US" altLang="en-US" sz="1400" b="0" i="0" u="none" strike="noStrike" cap="none" normalizeH="0" baseline="0" dirty="0">
+                <a:ln>
+                  <a:noFill/>
+                </a:ln>
+                <a:solidFill>
+                  <a:srgbClr val="444444"/>
+                </a:solidFill>
+                <a:effectLst/>
+                <a:latin typeface="Consolas" panose="020B0609020204030204" pitchFamily="49" charset="0"/>
+              </a:rPr>
+              <a:t>sc1</a:t>
+            </a:r>
+            <a:r>
+              <a:rPr kumimoji="0" lang="en-US" altLang="en-US" sz="1400" b="0" i="0" u="none" strike="noStrike" cap="none" normalizeH="0" baseline="0" dirty="0">
+                <a:ln>
+                  <a:noFill/>
+                </a:ln>
+                <a:solidFill>
+                  <a:srgbClr val="444444"/>
+                </a:solidFill>
+                <a:effectLst/>
+                <a:latin typeface="Amazon Ember"/>
+              </a:rPr>
+              <a:t>)</a:t>
+            </a:r>
+            <a:r>
+              <a:rPr kumimoji="0" lang="en-US" altLang="en-US" sz="900" b="0" i="0" u="none" strike="noStrike" cap="none" normalizeH="0" baseline="0" dirty="0">
+                <a:ln>
+                  <a:noFill/>
+                </a:ln>
+                <a:solidFill>
+                  <a:schemeClr val="tx1"/>
+                </a:solidFill>
+                <a:effectLst/>
+              </a:rPr>
+              <a:t> </a:t>
+            </a:r>
+            <a:endParaRPr kumimoji="0" lang="en-US" altLang="en-US" sz="2000" b="0" i="0" u="none" strike="noStrike" cap="none" normalizeH="0" baseline="0" dirty="0">
+              <a:ln>
+                <a:noFill/>
+              </a:ln>
+              <a:solidFill>
+                <a:schemeClr val="tx1"/>
+              </a:solidFill>
+              <a:effectLst/>
+              <a:latin typeface="Arial" panose="020B0604020202020204" pitchFamily="34" charset="0"/>
+            </a:endParaRPr>
+          </a:p>
+        </p:txBody>
+      </p:sp>
     </p:spTree>
     <p:extLst>
       <p:ext uri="{BB962C8B-B14F-4D97-AF65-F5344CB8AC3E}">

--- a/Lecture_2_Compute_Resources/Compute_Resources.pptx
+++ b/Lecture_2_Compute_Resources/Compute_Resources.pptx
@@ -256,7 +256,7 @@
           <a:p>
             <a:fld id="{07D895DB-E61D-4CE9-9710-80DFE93F382F}" type="datetimeFigureOut">
               <a:rPr lang="en-US" smtClean="0"/>
-              <a:t>10/3/2019</a:t>
+              <a:t>10/7/2019</a:t>
             </a:fld>
             <a:endParaRPr lang="en-US"/>
           </a:p>
@@ -521,6 +521,370 @@
     </a:lvl9pPr>
   </p:notesStyle>
 </p:notesMaster>
+</file>
+
+<file path=ppt/notesSlides/notesSlide1.xml><?xml version="1.0" encoding="utf-8"?>
+<p:notes xmlns:a="http://schemas.openxmlformats.org/drawingml/2006/main" xmlns:r="http://schemas.openxmlformats.org/officeDocument/2006/relationships" xmlns:p="http://schemas.openxmlformats.org/presentationml/2006/main">
+  <p:cSld>
+    <p:spTree>
+      <p:nvGrpSpPr>
+        <p:cNvPr id="1" name=""/>
+        <p:cNvGrpSpPr/>
+        <p:nvPr/>
+      </p:nvGrpSpPr>
+      <p:grpSpPr>
+        <a:xfrm>
+          <a:off x="0" y="0"/>
+          <a:ext cx="0" cy="0"/>
+          <a:chOff x="0" y="0"/>
+          <a:chExt cx="0" cy="0"/>
+        </a:xfrm>
+      </p:grpSpPr>
+      <p:sp>
+        <p:nvSpPr>
+          <p:cNvPr id="2" name="Slide Image Placeholder 1"/>
+          <p:cNvSpPr>
+            <a:spLocks noGrp="1" noRot="1" noChangeAspect="1"/>
+          </p:cNvSpPr>
+          <p:nvPr>
+            <p:ph type="sldImg"/>
+          </p:nvPr>
+        </p:nvSpPr>
+        <p:spPr/>
+      </p:sp>
+      <p:sp>
+        <p:nvSpPr>
+          <p:cNvPr id="3" name="Notes Placeholder 2"/>
+          <p:cNvSpPr>
+            <a:spLocks noGrp="1"/>
+          </p:cNvSpPr>
+          <p:nvPr>
+            <p:ph type="body" idx="1"/>
+          </p:nvPr>
+        </p:nvSpPr>
+        <p:spPr/>
+        <p:txBody>
+          <a:bodyPr/>
+          <a:lstStyle/>
+          <a:p>
+            <a:r>
+              <a:rPr lang="en-US" sz="1200" b="0" i="0" kern="1200">
+                <a:solidFill>
+                  <a:schemeClr val="tx1"/>
+                </a:solidFill>
+                <a:effectLst/>
+                <a:latin typeface="+mn-lt"/>
+                <a:ea typeface="+mn-ea"/>
+                <a:cs typeface="+mn-cs"/>
+              </a:rPr>
+              <a:t>All AMIs are categorized as either </a:t>
+            </a:r>
+            <a:r>
+              <a:rPr lang="en-US" sz="1200" b="0" i="1" kern="1200">
+                <a:solidFill>
+                  <a:schemeClr val="tx1"/>
+                </a:solidFill>
+                <a:effectLst/>
+                <a:latin typeface="+mn-lt"/>
+                <a:ea typeface="+mn-ea"/>
+                <a:cs typeface="+mn-cs"/>
+              </a:rPr>
+              <a:t>backed by Amazon EBS</a:t>
+            </a:r>
+            <a:r>
+              <a:rPr lang="en-US" sz="1200" b="0" i="0" kern="1200">
+                <a:solidFill>
+                  <a:schemeClr val="tx1"/>
+                </a:solidFill>
+                <a:effectLst/>
+                <a:latin typeface="+mn-lt"/>
+                <a:ea typeface="+mn-ea"/>
+                <a:cs typeface="+mn-cs"/>
+              </a:rPr>
+              <a:t> or </a:t>
+            </a:r>
+            <a:r>
+              <a:rPr lang="en-US" sz="1200" b="0" i="1" kern="1200">
+                <a:solidFill>
+                  <a:schemeClr val="tx1"/>
+                </a:solidFill>
+                <a:effectLst/>
+                <a:latin typeface="+mn-lt"/>
+                <a:ea typeface="+mn-ea"/>
+                <a:cs typeface="+mn-cs"/>
+              </a:rPr>
+              <a:t>backed by instance store</a:t>
+            </a:r>
+            <a:r>
+              <a:rPr lang="en-US" sz="1200" b="0" i="0" kern="1200">
+                <a:solidFill>
+                  <a:schemeClr val="tx1"/>
+                </a:solidFill>
+                <a:effectLst/>
+                <a:latin typeface="+mn-lt"/>
+                <a:ea typeface="+mn-ea"/>
+                <a:cs typeface="+mn-cs"/>
+              </a:rPr>
+              <a:t>. </a:t>
+            </a:r>
+          </a:p>
+          <a:p>
+            <a:r>
+              <a:rPr lang="en-US" sz="1200" b="0" i="0" kern="1200">
+                <a:solidFill>
+                  <a:schemeClr val="tx1"/>
+                </a:solidFill>
+                <a:effectLst/>
+                <a:latin typeface="+mn-lt"/>
+                <a:ea typeface="+mn-ea"/>
+                <a:cs typeface="+mn-cs"/>
+              </a:rPr>
+              <a:t>You </a:t>
+            </a:r>
+            <a:r>
+              <a:rPr lang="en-US" sz="1200" b="0" i="0" kern="1200" dirty="0">
+                <a:solidFill>
+                  <a:schemeClr val="tx1"/>
+                </a:solidFill>
+                <a:effectLst/>
+                <a:latin typeface="+mn-lt"/>
+                <a:ea typeface="+mn-ea"/>
+                <a:cs typeface="+mn-cs"/>
+              </a:rPr>
+              <a:t>can launch an instance from either an instance store-backed AMI or an Amazon EBS-backed AMI. The description of an AMI includes which type of AMI it is; you'll see the root device referred to in some places as either </a:t>
+            </a:r>
+            <a:r>
+              <a:rPr lang="en-US" dirty="0" err="1"/>
+              <a:t>ebs</a:t>
+            </a:r>
+            <a:r>
+              <a:rPr lang="en-US" sz="1200" b="0" i="0" kern="1200" dirty="0">
+                <a:solidFill>
+                  <a:schemeClr val="tx1"/>
+                </a:solidFill>
+                <a:effectLst/>
+                <a:latin typeface="+mn-lt"/>
+                <a:ea typeface="+mn-ea"/>
+                <a:cs typeface="+mn-cs"/>
+              </a:rPr>
+              <a:t> (for Amazon EBS-backed) or </a:t>
+            </a:r>
+            <a:r>
+              <a:rPr lang="en-US" dirty="0"/>
+              <a:t>instance store</a:t>
+            </a:r>
+            <a:r>
+              <a:rPr lang="en-US" sz="1200" b="0" i="0" kern="1200" dirty="0">
+                <a:solidFill>
+                  <a:schemeClr val="tx1"/>
+                </a:solidFill>
+                <a:effectLst/>
+                <a:latin typeface="+mn-lt"/>
+                <a:ea typeface="+mn-ea"/>
+                <a:cs typeface="+mn-cs"/>
+              </a:rPr>
+              <a:t> (for instance store-backed). This is important because there are significant differences between what you can do with each type of AMI. </a:t>
+            </a:r>
+          </a:p>
+          <a:p>
+            <a:r>
+              <a:rPr lang="en-US" sz="1200" b="1" i="0" kern="1200" dirty="0" err="1">
+                <a:solidFill>
+                  <a:schemeClr val="tx1"/>
+                </a:solidFill>
+                <a:effectLst/>
+                <a:latin typeface="+mn-lt"/>
+                <a:ea typeface="+mn-ea"/>
+                <a:cs typeface="+mn-cs"/>
+              </a:rPr>
+              <a:t>nstance</a:t>
+            </a:r>
+            <a:r>
+              <a:rPr lang="en-US" sz="1200" b="1" i="0" kern="1200" dirty="0">
+                <a:solidFill>
+                  <a:schemeClr val="tx1"/>
+                </a:solidFill>
+                <a:effectLst/>
+                <a:latin typeface="+mn-lt"/>
+                <a:ea typeface="+mn-ea"/>
+                <a:cs typeface="+mn-cs"/>
+              </a:rPr>
+              <a:t> Store-backed Instances</a:t>
+            </a:r>
+            <a:endParaRPr lang="en-US" sz="1200" b="0" i="0" kern="1200" dirty="0">
+              <a:solidFill>
+                <a:schemeClr val="tx1"/>
+              </a:solidFill>
+              <a:effectLst/>
+              <a:latin typeface="+mn-lt"/>
+              <a:ea typeface="+mn-ea"/>
+              <a:cs typeface="+mn-cs"/>
+            </a:endParaRPr>
+          </a:p>
+          <a:p>
+            <a:r>
+              <a:rPr lang="en-US" sz="1200" b="0" i="0" kern="1200" dirty="0">
+                <a:solidFill>
+                  <a:schemeClr val="tx1"/>
+                </a:solidFill>
+                <a:effectLst/>
+                <a:latin typeface="+mn-lt"/>
+                <a:ea typeface="+mn-ea"/>
+                <a:cs typeface="+mn-cs"/>
+              </a:rPr>
+              <a:t>Instances that use instance stores for the root device automatically have one or more instance store volumes available, with one volume serving as the root device volume. When an instance is launched, the image that is used to boot the instance is copied to the root volume. Note that you can optionally use additional instance store volumes, depending on the instance type.</a:t>
+            </a:r>
+          </a:p>
+          <a:p>
+            <a:r>
+              <a:rPr lang="en-US" sz="1200" b="0" i="0" kern="1200" dirty="0">
+                <a:solidFill>
+                  <a:schemeClr val="tx1"/>
+                </a:solidFill>
+                <a:effectLst/>
+                <a:latin typeface="+mn-lt"/>
+                <a:ea typeface="+mn-ea"/>
+                <a:cs typeface="+mn-cs"/>
+              </a:rPr>
+              <a:t>Any data on the instance store volumes persists as long as the instance is running, but this data is deleted when the instance is terminated (instance store-backed instances do not support the </a:t>
+            </a:r>
+            <a:r>
+              <a:rPr lang="en-US" sz="1200" b="1" i="0" kern="1200" dirty="0">
+                <a:solidFill>
+                  <a:schemeClr val="tx1"/>
+                </a:solidFill>
+                <a:effectLst/>
+                <a:latin typeface="+mn-lt"/>
+                <a:ea typeface="+mn-ea"/>
+                <a:cs typeface="+mn-cs"/>
+              </a:rPr>
+              <a:t>Stop</a:t>
+            </a:r>
+            <a:r>
+              <a:rPr lang="en-US" sz="1200" b="0" i="0" kern="1200" dirty="0">
+                <a:solidFill>
+                  <a:schemeClr val="tx1"/>
+                </a:solidFill>
+                <a:effectLst/>
+                <a:latin typeface="+mn-lt"/>
+                <a:ea typeface="+mn-ea"/>
+                <a:cs typeface="+mn-cs"/>
+              </a:rPr>
+              <a:t> action) or if it fails (such as if an underlying drive has issues).</a:t>
+            </a:r>
+          </a:p>
+          <a:p>
+            <a:r>
+              <a:rPr lang="en-US" sz="1200" b="0" i="0" kern="1200" dirty="0">
+                <a:solidFill>
+                  <a:schemeClr val="tx1"/>
+                </a:solidFill>
+                <a:effectLst/>
+                <a:latin typeface="+mn-lt"/>
+                <a:ea typeface="+mn-ea"/>
+                <a:cs typeface="+mn-cs"/>
+              </a:rPr>
+              <a:t>After an instance store-backed instance fails or terminates, it cannot be restored. If you plan to use Amazon EC2 instance store-backed instances, we highly recommend that you distribute the data on your instance stores across multiple Availability Zones. You should also back up critical data from your instance store volumes to persistent storage on a regular basis.</a:t>
+            </a:r>
+            <a:br>
+              <a:rPr lang="en-US" sz="1200" b="0" i="0" kern="1200" dirty="0">
+                <a:solidFill>
+                  <a:schemeClr val="tx1"/>
+                </a:solidFill>
+                <a:effectLst/>
+                <a:latin typeface="+mn-lt"/>
+                <a:ea typeface="+mn-ea"/>
+                <a:cs typeface="+mn-cs"/>
+              </a:rPr>
+            </a:br>
+            <a:r>
+              <a:rPr lang="en-US" sz="1200" b="1" i="0" kern="1200" dirty="0">
+                <a:solidFill>
+                  <a:schemeClr val="tx1"/>
+                </a:solidFill>
+                <a:effectLst/>
+                <a:latin typeface="+mn-lt"/>
+                <a:ea typeface="+mn-ea"/>
+                <a:cs typeface="+mn-cs"/>
+              </a:rPr>
+              <a:t>Amazon EBS-backed Instances</a:t>
+            </a:r>
+            <a:endParaRPr lang="en-US" sz="1200" b="0" i="0" kern="1200" dirty="0">
+              <a:solidFill>
+                <a:schemeClr val="tx1"/>
+              </a:solidFill>
+              <a:effectLst/>
+              <a:latin typeface="+mn-lt"/>
+              <a:ea typeface="+mn-ea"/>
+              <a:cs typeface="+mn-cs"/>
+            </a:endParaRPr>
+          </a:p>
+          <a:p>
+            <a:r>
+              <a:rPr lang="en-US" sz="1200" b="0" i="0" kern="1200" dirty="0">
+                <a:solidFill>
+                  <a:schemeClr val="tx1"/>
+                </a:solidFill>
+                <a:effectLst/>
+                <a:latin typeface="+mn-lt"/>
+                <a:ea typeface="+mn-ea"/>
+                <a:cs typeface="+mn-cs"/>
+              </a:rPr>
+              <a:t>Instances that use Amazon EBS for the root device automatically have an Amazon EBS volume attached. When you launch an Amazon EBS-backed instance, we create an Amazon EBS volume for each Amazon EBS snapshot referenced by the AMI you use. You can optionally use other Amazon EBS volumes or instance store volumes, depending on the instance type.</a:t>
+            </a:r>
+            <a:br>
+              <a:rPr lang="en-US" dirty="0"/>
+            </a:br>
+            <a:r>
+              <a:rPr lang="en-US" sz="1200" b="0" i="0" kern="1200" dirty="0">
+                <a:solidFill>
+                  <a:schemeClr val="tx1"/>
+                </a:solidFill>
+                <a:effectLst/>
+                <a:latin typeface="+mn-lt"/>
+                <a:ea typeface="+mn-ea"/>
+                <a:cs typeface="+mn-cs"/>
+              </a:rPr>
+              <a:t>An Amazon EBS-backed instance can be stopped and later restarted without affecting data stored in the attached volumes. </a:t>
+            </a:r>
+            <a:endParaRPr lang="en-US" dirty="0"/>
+          </a:p>
+        </p:txBody>
+      </p:sp>
+      <p:sp>
+        <p:nvSpPr>
+          <p:cNvPr id="4" name="Slide Number Placeholder 3"/>
+          <p:cNvSpPr>
+            <a:spLocks noGrp="1"/>
+          </p:cNvSpPr>
+          <p:nvPr>
+            <p:ph type="sldNum" sz="quarter" idx="5"/>
+          </p:nvPr>
+        </p:nvSpPr>
+        <p:spPr/>
+        <p:txBody>
+          <a:bodyPr/>
+          <a:lstStyle/>
+          <a:p>
+            <a:fld id="{854849D2-CA60-4E91-8A83-9389C3F76D2A}" type="slidenum">
+              <a:rPr lang="en-US" smtClean="0"/>
+              <a:t>11</a:t>
+            </a:fld>
+            <a:endParaRPr lang="en-US"/>
+          </a:p>
+        </p:txBody>
+      </p:sp>
+    </p:spTree>
+    <p:extLst>
+      <p:ext uri="{BB962C8B-B14F-4D97-AF65-F5344CB8AC3E}">
+        <p14:creationId xmlns:p14="http://schemas.microsoft.com/office/powerpoint/2010/main" val="3555910868"/>
+      </p:ext>
+    </p:extLst>
+  </p:cSld>
+  <p:clrMapOvr>
+    <a:masterClrMapping/>
+  </p:clrMapOvr>
+</p:notes>
 </file>
 
 <file path=ppt/slideLayouts/slideLayout1.xml><?xml version="1.0" encoding="utf-8"?>
@@ -1245,7 +1609,7 @@
           <a:p>
             <a:fld id="{27B8273F-2766-4200-80E4-DA0439332E4F}" type="datetimeFigureOut">
               <a:rPr lang="en-US" smtClean="0"/>
-              <a:t>10/3/2019</a:t>
+              <a:t>10/7/2019</a:t>
             </a:fld>
             <a:endParaRPr lang="en-US"/>
           </a:p>
@@ -1496,7 +1860,7 @@
           <a:p>
             <a:fld id="{27B8273F-2766-4200-80E4-DA0439332E4F}" type="datetimeFigureOut">
               <a:rPr lang="en-US" smtClean="0"/>
-              <a:t>10/3/2019</a:t>
+              <a:t>10/7/2019</a:t>
             </a:fld>
             <a:endParaRPr lang="en-US"/>
           </a:p>
@@ -1810,7 +2174,7 @@
           <a:p>
             <a:fld id="{27B8273F-2766-4200-80E4-DA0439332E4F}" type="datetimeFigureOut">
               <a:rPr lang="en-US" smtClean="0"/>
-              <a:t>10/3/2019</a:t>
+              <a:t>10/7/2019</a:t>
             </a:fld>
             <a:endParaRPr lang="en-US"/>
           </a:p>
@@ -2151,7 +2515,7 @@
           <a:p>
             <a:fld id="{27B8273F-2766-4200-80E4-DA0439332E4F}" type="datetimeFigureOut">
               <a:rPr lang="en-US" smtClean="0"/>
-              <a:t>10/3/2019</a:t>
+              <a:t>10/7/2019</a:t>
             </a:fld>
             <a:endParaRPr lang="en-US"/>
           </a:p>
@@ -2465,7 +2829,7 @@
           <a:p>
             <a:fld id="{27B8273F-2766-4200-80E4-DA0439332E4F}" type="datetimeFigureOut">
               <a:rPr lang="en-US" smtClean="0"/>
-              <a:t>10/3/2019</a:t>
+              <a:t>10/7/2019</a:t>
             </a:fld>
             <a:endParaRPr lang="en-US"/>
           </a:p>
@@ -2858,7 +3222,7 @@
           <a:p>
             <a:fld id="{27B8273F-2766-4200-80E4-DA0439332E4F}" type="datetimeFigureOut">
               <a:rPr lang="en-US" smtClean="0"/>
-              <a:t>10/3/2019</a:t>
+              <a:t>10/7/2019</a:t>
             </a:fld>
             <a:endParaRPr lang="en-US"/>
           </a:p>
@@ -3028,7 +3392,7 @@
           <a:p>
             <a:fld id="{27B8273F-2766-4200-80E4-DA0439332E4F}" type="datetimeFigureOut">
               <a:rPr lang="en-US" smtClean="0"/>
-              <a:t>10/3/2019</a:t>
+              <a:t>10/7/2019</a:t>
             </a:fld>
             <a:endParaRPr lang="en-US"/>
           </a:p>
@@ -3208,7 +3572,7 @@
           <a:p>
             <a:fld id="{27B8273F-2766-4200-80E4-DA0439332E4F}" type="datetimeFigureOut">
               <a:rPr lang="en-US" smtClean="0"/>
-              <a:t>10/3/2019</a:t>
+              <a:t>10/7/2019</a:t>
             </a:fld>
             <a:endParaRPr lang="en-US"/>
           </a:p>
@@ -3782,7 +4146,7 @@
           <a:p>
             <a:fld id="{27B8273F-2766-4200-80E4-DA0439332E4F}" type="datetimeFigureOut">
               <a:rPr lang="en-US" smtClean="0"/>
-              <a:t>10/3/2019</a:t>
+              <a:t>10/7/2019</a:t>
             </a:fld>
             <a:endParaRPr lang="en-US"/>
           </a:p>
@@ -4029,7 +4393,7 @@
           <a:p>
             <a:fld id="{27B8273F-2766-4200-80E4-DA0439332E4F}" type="datetimeFigureOut">
               <a:rPr lang="en-US" smtClean="0"/>
-              <a:t>10/3/2019</a:t>
+              <a:t>10/7/2019</a:t>
             </a:fld>
             <a:endParaRPr lang="en-US"/>
           </a:p>
@@ -4261,7 +4625,7 @@
           <a:p>
             <a:fld id="{27B8273F-2766-4200-80E4-DA0439332E4F}" type="datetimeFigureOut">
               <a:rPr lang="en-US" smtClean="0"/>
-              <a:t>10/3/2019</a:t>
+              <a:t>10/7/2019</a:t>
             </a:fld>
             <a:endParaRPr lang="en-US"/>
           </a:p>
@@ -4635,7 +4999,7 @@
           <a:p>
             <a:fld id="{27B8273F-2766-4200-80E4-DA0439332E4F}" type="datetimeFigureOut">
               <a:rPr lang="en-US" smtClean="0"/>
-              <a:t>10/3/2019</a:t>
+              <a:t>10/7/2019</a:t>
             </a:fld>
             <a:endParaRPr lang="en-US"/>
           </a:p>
@@ -4758,7 +5122,7 @@
           <a:p>
             <a:fld id="{27B8273F-2766-4200-80E4-DA0439332E4F}" type="datetimeFigureOut">
               <a:rPr lang="en-US" smtClean="0"/>
-              <a:t>10/3/2019</a:t>
+              <a:t>10/7/2019</a:t>
             </a:fld>
             <a:endParaRPr lang="en-US"/>
           </a:p>
@@ -4853,7 +5217,7 @@
           <a:p>
             <a:fld id="{27B8273F-2766-4200-80E4-DA0439332E4F}" type="datetimeFigureOut">
               <a:rPr lang="en-US" smtClean="0"/>
-              <a:t>10/3/2019</a:t>
+              <a:t>10/7/2019</a:t>
             </a:fld>
             <a:endParaRPr lang="en-US"/>
           </a:p>
@@ -5108,7 +5472,7 @@
           <a:p>
             <a:fld id="{27B8273F-2766-4200-80E4-DA0439332E4F}" type="datetimeFigureOut">
               <a:rPr lang="en-US" smtClean="0"/>
-              <a:t>10/3/2019</a:t>
+              <a:t>10/7/2019</a:t>
             </a:fld>
             <a:endParaRPr lang="en-US"/>
           </a:p>
@@ -5371,7 +5735,7 @@
           <a:p>
             <a:fld id="{27B8273F-2766-4200-80E4-DA0439332E4F}" type="datetimeFigureOut">
               <a:rPr lang="en-US" smtClean="0"/>
-              <a:t>10/3/2019</a:t>
+              <a:t>10/7/2019</a:t>
             </a:fld>
             <a:endParaRPr lang="en-US"/>
           </a:p>
@@ -6114,7 +6478,7 @@
           <a:p>
             <a:fld id="{27B8273F-2766-4200-80E4-DA0439332E4F}" type="datetimeFigureOut">
               <a:rPr lang="en-US" smtClean="0"/>
-              <a:t>10/3/2019</a:t>
+              <a:t>10/7/2019</a:t>
             </a:fld>
             <a:endParaRPr lang="en-US"/>
           </a:p>
@@ -6911,7 +7275,7 @@
           <p:nvPr/>
         </p:nvPicPr>
         <p:blipFill>
-          <a:blip r:embed="rId2">
+          <a:blip r:embed="rId3">
             <a:extLst>
               <a:ext uri="{28A0092B-C50C-407E-A947-70E740481C1C}">
                 <a14:useLocalDpi xmlns:a14="http://schemas.microsoft.com/office/drawing/2010/main" val="0"/>
@@ -6956,82 +7320,287 @@
         <p:spPr/>
         <p:txBody>
           <a:bodyPr>
-            <a:normAutofit fontScale="85000" lnSpcReduction="20000"/>
+            <a:normAutofit fontScale="77500" lnSpcReduction="20000"/>
           </a:bodyPr>
           <a:lstStyle/>
           <a:p>
-            <a:r>
-              <a:rPr lang="en-US" dirty="0"/>
+            <a:pPr marL="342900" indent="-342900" defTabSz="457200">
+              <a:spcBef>
+                <a:spcPts val="1000"/>
+              </a:spcBef>
+              <a:spcAft>
+                <a:spcPts val="0"/>
+              </a:spcAft>
+              <a:buClr>
+                <a:schemeClr val="accent1"/>
+              </a:buClr>
+              <a:buSzPct val="80000"/>
+              <a:buFont typeface="Wingdings 3" charset="2"/>
+              <a:buChar char=""/>
+            </a:pPr>
+            <a:r>
+              <a:rPr lang="en-US" sz="2100" dirty="0">
+                <a:solidFill>
+                  <a:schemeClr val="tx1">
+                    <a:lumMod val="75000"/>
+                    <a:lumOff val="25000"/>
+                  </a:schemeClr>
+                </a:solidFill>
+              </a:rPr>
               <a:t>Integrated with EC2</a:t>
             </a:r>
           </a:p>
           <a:p>
-            <a:r>
-              <a:rPr lang="en-US" dirty="0"/>
+            <a:pPr marL="342900" indent="-342900" defTabSz="457200">
+              <a:spcBef>
+                <a:spcPts val="1000"/>
+              </a:spcBef>
+              <a:spcAft>
+                <a:spcPts val="0"/>
+              </a:spcAft>
+              <a:buClr>
+                <a:schemeClr val="accent1"/>
+              </a:buClr>
+              <a:buSzPct val="80000"/>
+              <a:buFont typeface="Wingdings 3" charset="2"/>
+              <a:buChar char=""/>
+            </a:pPr>
+            <a:r>
+              <a:rPr lang="en-US" sz="2100" dirty="0">
+                <a:solidFill>
+                  <a:schemeClr val="tx1">
+                    <a:lumMod val="75000"/>
+                    <a:lumOff val="25000"/>
+                  </a:schemeClr>
+                </a:solidFill>
+              </a:rPr>
               <a:t>Bandwidth varies in 0-14000 Mbit/s</a:t>
             </a:r>
           </a:p>
           <a:p>
-            <a:r>
-              <a:rPr lang="en-US" dirty="0"/>
+            <a:pPr marL="342900" indent="-342900" defTabSz="457200">
+              <a:spcBef>
+                <a:spcPts val="1000"/>
+              </a:spcBef>
+              <a:spcAft>
+                <a:spcPts val="0"/>
+              </a:spcAft>
+              <a:buClr>
+                <a:schemeClr val="accent1"/>
+              </a:buClr>
+              <a:buSzPct val="80000"/>
+              <a:buFont typeface="Wingdings 3" charset="2"/>
+              <a:buChar char=""/>
+            </a:pPr>
+            <a:r>
+              <a:rPr lang="en-US" sz="2100" dirty="0">
+                <a:solidFill>
+                  <a:schemeClr val="tx1">
+                    <a:lumMod val="75000"/>
+                    <a:lumOff val="25000"/>
+                  </a:schemeClr>
+                </a:solidFill>
+              </a:rPr>
               <a:t>Calculate IOPS (restrict IOPS per volume)</a:t>
             </a:r>
           </a:p>
           <a:p>
-            <a:r>
-              <a:rPr lang="en-US" dirty="0"/>
+            <a:pPr marL="342900" indent="-342900" defTabSz="457200">
+              <a:spcBef>
+                <a:spcPts val="1000"/>
+              </a:spcBef>
+              <a:spcAft>
+                <a:spcPts val="0"/>
+              </a:spcAft>
+              <a:buClr>
+                <a:schemeClr val="accent1"/>
+              </a:buClr>
+              <a:buSzPct val="80000"/>
+              <a:buFont typeface="Wingdings 3" charset="2"/>
+              <a:buChar char=""/>
+            </a:pPr>
+            <a:r>
+              <a:rPr lang="en-US" sz="2100" dirty="0">
+                <a:solidFill>
+                  <a:schemeClr val="tx1">
+                    <a:lumMod val="75000"/>
+                    <a:lumOff val="25000"/>
+                  </a:schemeClr>
+                </a:solidFill>
+              </a:rPr>
               <a:t>Serves SSD Persistence store (caches, DB)</a:t>
             </a:r>
           </a:p>
           <a:p>
-            <a:r>
-              <a:rPr lang="en-US" dirty="0"/>
+            <a:pPr marL="342900" indent="-342900" defTabSz="457200">
+              <a:spcBef>
+                <a:spcPts val="1000"/>
+              </a:spcBef>
+              <a:spcAft>
+                <a:spcPts val="0"/>
+              </a:spcAft>
+              <a:buClr>
+                <a:schemeClr val="accent1"/>
+              </a:buClr>
+              <a:buSzPct val="80000"/>
+              <a:buFont typeface="Wingdings 3" charset="2"/>
+              <a:buChar char=""/>
+            </a:pPr>
+            <a:r>
+              <a:rPr lang="en-US" sz="2100" dirty="0">
+                <a:solidFill>
+                  <a:schemeClr val="tx1">
+                    <a:lumMod val="75000"/>
+                    <a:lumOff val="25000"/>
+                  </a:schemeClr>
+                </a:solidFill>
+              </a:rPr>
               <a:t>HDD Persistence (streaming)</a:t>
             </a:r>
           </a:p>
           <a:p>
-            <a:r>
-              <a:rPr lang="en-US" dirty="0"/>
+            <a:pPr marL="342900" indent="-342900" defTabSz="457200">
+              <a:spcBef>
+                <a:spcPts val="1000"/>
+              </a:spcBef>
+              <a:spcAft>
+                <a:spcPts val="0"/>
+              </a:spcAft>
+              <a:buClr>
+                <a:schemeClr val="accent1"/>
+              </a:buClr>
+              <a:buSzPct val="80000"/>
+              <a:buFont typeface="Wingdings 3" charset="2"/>
+              <a:buChar char=""/>
+            </a:pPr>
+            <a:r>
+              <a:rPr lang="en-US" sz="2100" dirty="0">
+                <a:solidFill>
+                  <a:schemeClr val="tx1">
+                    <a:lumMod val="75000"/>
+                    <a:lumOff val="25000"/>
+                  </a:schemeClr>
+                </a:solidFill>
+              </a:rPr>
               <a:t>Snapshots</a:t>
             </a:r>
           </a:p>
           <a:p>
-            <a:pPr lvl="1"/>
-            <a:r>
-              <a:rPr lang="en-US" dirty="0"/>
+            <a:pPr marL="742968" lvl="2" indent="-342900">
+              <a:buFont typeface="Arial" panose="020B0604020202020204" pitchFamily="34" charset="0"/>
+              <a:buChar char="•"/>
+            </a:pPr>
+            <a:r>
+              <a:rPr lang="en-US" sz="1967" dirty="0">
+                <a:solidFill>
+                  <a:schemeClr val="tx1">
+                    <a:lumMod val="75000"/>
+                    <a:lumOff val="25000"/>
+                  </a:schemeClr>
+                </a:solidFill>
+              </a:rPr>
               <a:t>Full (copy to S3)</a:t>
             </a:r>
           </a:p>
           <a:p>
-            <a:pPr lvl="1"/>
-            <a:r>
-              <a:rPr lang="en-US" dirty="0"/>
+            <a:pPr marL="742968" lvl="2" indent="-342900">
+              <a:buFont typeface="Arial" panose="020B0604020202020204" pitchFamily="34" charset="0"/>
+              <a:buChar char="•"/>
+            </a:pPr>
+            <a:r>
+              <a:rPr lang="en-US" sz="1967" dirty="0">
+                <a:solidFill>
+                  <a:schemeClr val="tx1">
+                    <a:lumMod val="75000"/>
+                    <a:lumOff val="25000"/>
+                  </a:schemeClr>
+                </a:solidFill>
+              </a:rPr>
               <a:t>Backup</a:t>
             </a:r>
           </a:p>
           <a:p>
-            <a:pPr lvl="1"/>
-            <a:r>
-              <a:rPr lang="en-US" dirty="0"/>
+            <a:pPr marL="742968" lvl="2" indent="-342900">
+              <a:buFont typeface="Arial" panose="020B0604020202020204" pitchFamily="34" charset="0"/>
+              <a:buChar char="•"/>
+            </a:pPr>
+            <a:r>
+              <a:rPr lang="en-US" sz="1967" dirty="0">
+                <a:solidFill>
+                  <a:schemeClr val="tx1">
+                    <a:lumMod val="75000"/>
+                    <a:lumOff val="25000"/>
+                  </a:schemeClr>
+                </a:solidFill>
+              </a:rPr>
               <a:t>Recovery</a:t>
             </a:r>
           </a:p>
           <a:p>
-            <a:pPr lvl="1"/>
-            <a:r>
-              <a:rPr lang="en-US" dirty="0"/>
+            <a:pPr marL="742968" lvl="2" indent="-342900">
+              <a:buFont typeface="Arial" panose="020B0604020202020204" pitchFamily="34" charset="0"/>
+              <a:buChar char="•"/>
+            </a:pPr>
+            <a:r>
+              <a:rPr lang="en-US" sz="1967" dirty="0">
+                <a:solidFill>
+                  <a:schemeClr val="tx1">
+                    <a:lumMod val="75000"/>
+                    <a:lumOff val="25000"/>
+                  </a:schemeClr>
+                </a:solidFill>
+              </a:rPr>
               <a:t>Alarms (IOPS)</a:t>
             </a:r>
           </a:p>
           <a:p>
-            <a:pPr marL="0" indent="0">
-              <a:buNone/>
+            <a:pPr marL="342900" indent="-342900" defTabSz="457200">
+              <a:spcBef>
+                <a:spcPts val="1000"/>
+              </a:spcBef>
+              <a:spcAft>
+                <a:spcPts val="0"/>
+              </a:spcAft>
+              <a:buClr>
+                <a:schemeClr val="accent1"/>
+              </a:buClr>
+              <a:buSzPct val="80000"/>
+              <a:buFont typeface="Wingdings 3" charset="2"/>
+              <a:buChar char=""/>
             </a:pPr>
-            <a:endParaRPr lang="en-US" dirty="0"/>
-          </a:p>
-          <a:p>
-            <a:r>
-              <a:rPr lang="en-US" dirty="0"/>
+            <a:endParaRPr lang="en-US" sz="2100" dirty="0">
+              <a:solidFill>
+                <a:schemeClr val="tx1">
+                  <a:lumMod val="75000"/>
+                  <a:lumOff val="25000"/>
+                </a:schemeClr>
+              </a:solidFill>
+            </a:endParaRPr>
+          </a:p>
+          <a:p>
+            <a:pPr marL="342900" indent="-342900" defTabSz="457200">
+              <a:spcBef>
+                <a:spcPts val="1000"/>
+              </a:spcBef>
+              <a:spcAft>
+                <a:spcPts val="0"/>
+              </a:spcAft>
+              <a:buClr>
+                <a:schemeClr val="accent1"/>
+              </a:buClr>
+              <a:buSzPct val="80000"/>
+              <a:buFont typeface="Wingdings 3" charset="2"/>
+              <a:buChar char=""/>
+            </a:pPr>
+            <a:r>
+              <a:rPr lang="en-US" sz="2100" dirty="0">
+                <a:solidFill>
+                  <a:schemeClr val="tx1">
+                    <a:lumMod val="75000"/>
+                    <a:lumOff val="25000"/>
+                  </a:schemeClr>
+                </a:solidFill>
+              </a:rPr>
               <a:t>Availability zone placement</a:t>
             </a:r>
           </a:p>
@@ -7082,7 +7651,7 @@
           <p:nvPr/>
         </p:nvPicPr>
         <p:blipFill>
-          <a:blip r:embed="rId3">
+          <a:blip r:embed="rId4">
             <a:extLst>
               <a:ext uri="{28A0092B-C50C-407E-A947-70E740481C1C}">
                 <a14:useLocalDpi xmlns:a14="http://schemas.microsoft.com/office/drawing/2010/main" val="0"/>
@@ -7096,8 +7665,8 @@
         </p:blipFill>
         <p:spPr bwMode="auto">
           <a:xfrm>
-            <a:off x="4887212" y="3239647"/>
-            <a:ext cx="4857750" cy="3409950"/>
+            <a:off x="3931138" y="3826709"/>
+            <a:ext cx="2923586" cy="2052243"/>
           </a:xfrm>
           <a:prstGeom prst="rect">
             <a:avLst/>
@@ -7129,7 +7698,7 @@
           <p:nvPr/>
         </p:nvPicPr>
         <p:blipFill>
-          <a:blip r:embed="rId4"/>
+          <a:blip r:embed="rId5"/>
           <a:stretch>
             <a:fillRect/>
           </a:stretch>
@@ -7144,6 +7713,387 @@
           </a:prstGeom>
         </p:spPr>
       </p:pic>
+      <p:pic>
+        <p:nvPicPr>
+          <p:cNvPr id="4" name="Picture 3">
+            <a:extLst>
+              <a:ext uri="{FF2B5EF4-FFF2-40B4-BE49-F238E27FC236}">
+                <a16:creationId xmlns:a16="http://schemas.microsoft.com/office/drawing/2014/main" id="{8CC3D977-CB2A-4CA4-9DF1-6B6E5A3C71E1}"/>
+              </a:ext>
+            </a:extLst>
+          </p:cNvPr>
+          <p:cNvPicPr>
+            <a:picLocks noChangeAspect="1"/>
+          </p:cNvPicPr>
+          <p:nvPr/>
+        </p:nvPicPr>
+        <p:blipFill>
+          <a:blip r:embed="rId6"/>
+          <a:stretch>
+            <a:fillRect/>
+          </a:stretch>
+        </p:blipFill>
+        <p:spPr>
+          <a:xfrm>
+            <a:off x="7725158" y="3721644"/>
+            <a:ext cx="2716873" cy="2141602"/>
+          </a:xfrm>
+          <a:prstGeom prst="rect">
+            <a:avLst/>
+          </a:prstGeom>
+        </p:spPr>
+      </p:pic>
+      <p:sp>
+        <p:nvSpPr>
+          <p:cNvPr id="5" name="TextBox 4">
+            <a:extLst>
+              <a:ext uri="{FF2B5EF4-FFF2-40B4-BE49-F238E27FC236}">
+                <a16:creationId xmlns:a16="http://schemas.microsoft.com/office/drawing/2014/main" id="{C43D764E-D3B4-4F35-87C5-5B560B9B2CCA}"/>
+              </a:ext>
+            </a:extLst>
+          </p:cNvPr>
+          <p:cNvSpPr txBox="1"/>
+          <p:nvPr/>
+        </p:nvSpPr>
+        <p:spPr>
+          <a:xfrm>
+            <a:off x="7031697" y="4607779"/>
+            <a:ext cx="516488" cy="369332"/>
+          </a:xfrm>
+          <a:prstGeom prst="rect">
+            <a:avLst/>
+          </a:prstGeom>
+          <a:noFill/>
+        </p:spPr>
+        <p:txBody>
+          <a:bodyPr wrap="none" rtlCol="0">
+            <a:spAutoFit/>
+          </a:bodyPr>
+          <a:lstStyle/>
+          <a:p>
+            <a:r>
+              <a:rPr lang="en-US" dirty="0"/>
+              <a:t>VS.</a:t>
+            </a:r>
+          </a:p>
+        </p:txBody>
+      </p:sp>
+      <p:sp>
+        <p:nvSpPr>
+          <p:cNvPr id="8" name="Rectangle 7">
+            <a:extLst>
+              <a:ext uri="{FF2B5EF4-FFF2-40B4-BE49-F238E27FC236}">
+                <a16:creationId xmlns:a16="http://schemas.microsoft.com/office/drawing/2014/main" id="{933BC156-2841-417C-AB47-1E672409497B}"/>
+              </a:ext>
+            </a:extLst>
+          </p:cNvPr>
+          <p:cNvSpPr/>
+          <p:nvPr/>
+        </p:nvSpPr>
+        <p:spPr>
+          <a:xfrm>
+            <a:off x="5516634" y="6153873"/>
+            <a:ext cx="3030125" cy="369332"/>
+          </a:xfrm>
+          <a:prstGeom prst="rect">
+            <a:avLst/>
+          </a:prstGeom>
+        </p:spPr>
+        <p:txBody>
+          <a:bodyPr wrap="none">
+            <a:spAutoFit/>
+          </a:bodyPr>
+          <a:lstStyle/>
+          <a:p>
+            <a:r>
+              <a:rPr lang="en-US" b="1" dirty="0">
+                <a:solidFill>
+                  <a:srgbClr val="CC6600"/>
+                </a:solidFill>
+                <a:latin typeface="Amazon Ember"/>
+              </a:rPr>
+              <a:t>Root Device Storage Concepts</a:t>
+            </a:r>
+            <a:endParaRPr lang="en-US" b="1" i="0" dirty="0">
+              <a:solidFill>
+                <a:srgbClr val="CC6600"/>
+              </a:solidFill>
+              <a:effectLst/>
+              <a:latin typeface="Amazon Ember"/>
+            </a:endParaRPr>
+          </a:p>
+        </p:txBody>
+      </p:sp>
+      <p:sp>
+        <p:nvSpPr>
+          <p:cNvPr id="9" name="TextBox 8">
+            <a:extLst>
+              <a:ext uri="{FF2B5EF4-FFF2-40B4-BE49-F238E27FC236}">
+                <a16:creationId xmlns:a16="http://schemas.microsoft.com/office/drawing/2014/main" id="{F4903E05-08AA-4745-B3C8-49526A2171A4}"/>
+              </a:ext>
+            </a:extLst>
+          </p:cNvPr>
+          <p:cNvSpPr txBox="1"/>
+          <p:nvPr/>
+        </p:nvSpPr>
+        <p:spPr>
+          <a:xfrm>
+            <a:off x="7648488" y="3345393"/>
+            <a:ext cx="2477477" cy="307777"/>
+          </a:xfrm>
+          <a:prstGeom prst="rect">
+            <a:avLst/>
+          </a:prstGeom>
+          <a:noFill/>
+        </p:spPr>
+        <p:txBody>
+          <a:bodyPr wrap="square" rtlCol="0">
+            <a:spAutoFit/>
+          </a:bodyPr>
+          <a:lstStyle/>
+          <a:p>
+            <a:r>
+              <a:rPr lang="en-US" sz="1400" dirty="0"/>
+              <a:t>Instance store-backed</a:t>
+            </a:r>
+          </a:p>
+        </p:txBody>
+      </p:sp>
+      <p:sp>
+        <p:nvSpPr>
+          <p:cNvPr id="10" name="TextBox 9">
+            <a:extLst>
+              <a:ext uri="{FF2B5EF4-FFF2-40B4-BE49-F238E27FC236}">
+                <a16:creationId xmlns:a16="http://schemas.microsoft.com/office/drawing/2014/main" id="{01169150-7B8F-4241-95E3-5B5F2281434D}"/>
+              </a:ext>
+            </a:extLst>
+          </p:cNvPr>
+          <p:cNvSpPr txBox="1"/>
+          <p:nvPr/>
+        </p:nvSpPr>
+        <p:spPr>
+          <a:xfrm>
+            <a:off x="3900190" y="3361511"/>
+            <a:ext cx="3094892" cy="307777"/>
+          </a:xfrm>
+          <a:prstGeom prst="rect">
+            <a:avLst/>
+          </a:prstGeom>
+          <a:noFill/>
+        </p:spPr>
+        <p:txBody>
+          <a:bodyPr wrap="square" rtlCol="0">
+            <a:spAutoFit/>
+          </a:bodyPr>
+          <a:lstStyle/>
+          <a:p>
+            <a:r>
+              <a:rPr lang="en-US" sz="1400" dirty="0"/>
+              <a:t>Amazon EBS-backed Instances</a:t>
+            </a:r>
+          </a:p>
+        </p:txBody>
+      </p:sp>
+      <p:cxnSp>
+        <p:nvCxnSpPr>
+          <p:cNvPr id="12" name="Straight Arrow Connector 11">
+            <a:extLst>
+              <a:ext uri="{FF2B5EF4-FFF2-40B4-BE49-F238E27FC236}">
+                <a16:creationId xmlns:a16="http://schemas.microsoft.com/office/drawing/2014/main" id="{05A07B37-F307-4F9A-BDFC-19F0FEA208D3}"/>
+              </a:ext>
+            </a:extLst>
+          </p:cNvPr>
+          <p:cNvCxnSpPr>
+            <a:cxnSpLocks/>
+          </p:cNvCxnSpPr>
+          <p:nvPr/>
+        </p:nvCxnSpPr>
+        <p:spPr>
+          <a:xfrm flipH="1" flipV="1">
+            <a:off x="6040036" y="5590935"/>
+            <a:ext cx="527566" cy="517391"/>
+          </a:xfrm>
+          <a:prstGeom prst="straightConnector1">
+            <a:avLst/>
+          </a:prstGeom>
+          <a:ln>
+            <a:tailEnd type="triangle"/>
+          </a:ln>
+        </p:spPr>
+        <p:style>
+          <a:lnRef idx="1">
+            <a:schemeClr val="accent1"/>
+          </a:lnRef>
+          <a:fillRef idx="0">
+            <a:schemeClr val="accent1"/>
+          </a:fillRef>
+          <a:effectRef idx="0">
+            <a:schemeClr val="accent1"/>
+          </a:effectRef>
+          <a:fontRef idx="minor">
+            <a:schemeClr val="tx1"/>
+          </a:fontRef>
+        </p:style>
+      </p:cxnSp>
+      <p:cxnSp>
+        <p:nvCxnSpPr>
+          <p:cNvPr id="14" name="Straight Arrow Connector 13">
+            <a:extLst>
+              <a:ext uri="{FF2B5EF4-FFF2-40B4-BE49-F238E27FC236}">
+                <a16:creationId xmlns:a16="http://schemas.microsoft.com/office/drawing/2014/main" id="{356478B1-95BD-489D-9A4E-4B60BA3B830C}"/>
+              </a:ext>
+            </a:extLst>
+          </p:cNvPr>
+          <p:cNvCxnSpPr>
+            <a:cxnSpLocks/>
+          </p:cNvCxnSpPr>
+          <p:nvPr/>
+        </p:nvCxnSpPr>
+        <p:spPr>
+          <a:xfrm flipV="1">
+            <a:off x="7648488" y="5590935"/>
+            <a:ext cx="659266" cy="562939"/>
+          </a:xfrm>
+          <a:prstGeom prst="straightConnector1">
+            <a:avLst/>
+          </a:prstGeom>
+          <a:ln>
+            <a:tailEnd type="triangle"/>
+          </a:ln>
+        </p:spPr>
+        <p:style>
+          <a:lnRef idx="1">
+            <a:schemeClr val="accent1"/>
+          </a:lnRef>
+          <a:fillRef idx="0">
+            <a:schemeClr val="accent1"/>
+          </a:fillRef>
+          <a:effectRef idx="0">
+            <a:schemeClr val="accent1"/>
+          </a:effectRef>
+          <a:fontRef idx="minor">
+            <a:schemeClr val="tx1"/>
+          </a:fontRef>
+        </p:style>
+      </p:cxnSp>
+      <p:sp>
+        <p:nvSpPr>
+          <p:cNvPr id="20" name="TextBox 19">
+            <a:extLst>
+              <a:ext uri="{FF2B5EF4-FFF2-40B4-BE49-F238E27FC236}">
+                <a16:creationId xmlns:a16="http://schemas.microsoft.com/office/drawing/2014/main" id="{8BE897CB-AE49-4F7A-8A68-C136ECD21C34}"/>
+              </a:ext>
+            </a:extLst>
+          </p:cNvPr>
+          <p:cNvSpPr txBox="1"/>
+          <p:nvPr/>
+        </p:nvSpPr>
+        <p:spPr>
+          <a:xfrm>
+            <a:off x="6757422" y="3048657"/>
+            <a:ext cx="548548" cy="369332"/>
+          </a:xfrm>
+          <a:prstGeom prst="rect">
+            <a:avLst/>
+          </a:prstGeom>
+          <a:noFill/>
+        </p:spPr>
+        <p:txBody>
+          <a:bodyPr wrap="none" rtlCol="0">
+            <a:spAutoFit/>
+          </a:bodyPr>
+          <a:lstStyle/>
+          <a:p>
+            <a:r>
+              <a:rPr lang="en-US" dirty="0"/>
+              <a:t>AMI</a:t>
+            </a:r>
+          </a:p>
+        </p:txBody>
+      </p:sp>
+      <p:cxnSp>
+        <p:nvCxnSpPr>
+          <p:cNvPr id="22" name="Straight Arrow Connector 21">
+            <a:extLst>
+              <a:ext uri="{FF2B5EF4-FFF2-40B4-BE49-F238E27FC236}">
+                <a16:creationId xmlns:a16="http://schemas.microsoft.com/office/drawing/2014/main" id="{000C1217-8FFD-4878-AD0A-D33227E8B328}"/>
+              </a:ext>
+            </a:extLst>
+          </p:cNvPr>
+          <p:cNvCxnSpPr>
+            <a:stCxn id="20" idx="1"/>
+          </p:cNvCxnSpPr>
+          <p:nvPr/>
+        </p:nvCxnSpPr>
+        <p:spPr>
+          <a:xfrm flipH="1">
+            <a:off x="5806831" y="3233323"/>
+            <a:ext cx="950591" cy="184666"/>
+          </a:xfrm>
+          <a:prstGeom prst="straightConnector1">
+            <a:avLst/>
+          </a:prstGeom>
+          <a:ln>
+            <a:tailEnd type="triangle"/>
+          </a:ln>
+        </p:spPr>
+        <p:style>
+          <a:lnRef idx="1">
+            <a:schemeClr val="accent1"/>
+          </a:lnRef>
+          <a:fillRef idx="0">
+            <a:schemeClr val="accent1"/>
+          </a:fillRef>
+          <a:effectRef idx="0">
+            <a:schemeClr val="accent1"/>
+          </a:effectRef>
+          <a:fontRef idx="minor">
+            <a:schemeClr val="tx1"/>
+          </a:fontRef>
+        </p:style>
+      </p:cxnSp>
+      <p:cxnSp>
+        <p:nvCxnSpPr>
+          <p:cNvPr id="24" name="Straight Arrow Connector 23">
+            <a:extLst>
+              <a:ext uri="{FF2B5EF4-FFF2-40B4-BE49-F238E27FC236}">
+                <a16:creationId xmlns:a16="http://schemas.microsoft.com/office/drawing/2014/main" id="{521F2D7B-4113-4186-98C7-4A9A61C95CF4}"/>
+              </a:ext>
+            </a:extLst>
+          </p:cNvPr>
+          <p:cNvCxnSpPr>
+            <a:cxnSpLocks/>
+            <a:stCxn id="20" idx="3"/>
+          </p:cNvCxnSpPr>
+          <p:nvPr/>
+        </p:nvCxnSpPr>
+        <p:spPr>
+          <a:xfrm>
+            <a:off x="7305970" y="3233323"/>
+            <a:ext cx="892368" cy="184666"/>
+          </a:xfrm>
+          <a:prstGeom prst="straightConnector1">
+            <a:avLst/>
+          </a:prstGeom>
+          <a:ln>
+            <a:tailEnd type="triangle"/>
+          </a:ln>
+        </p:spPr>
+        <p:style>
+          <a:lnRef idx="1">
+            <a:schemeClr val="accent1"/>
+          </a:lnRef>
+          <a:fillRef idx="0">
+            <a:schemeClr val="accent1"/>
+          </a:fillRef>
+          <a:effectRef idx="0">
+            <a:schemeClr val="accent1"/>
+          </a:effectRef>
+          <a:fontRef idx="minor">
+            <a:schemeClr val="tx1"/>
+          </a:fontRef>
+        </p:style>
+      </p:cxnSp>
     </p:spTree>
     <p:extLst>
       <p:ext uri="{BB962C8B-B14F-4D97-AF65-F5344CB8AC3E}">
@@ -8272,32 +9222,137 @@
           <a:bodyPr/>
           <a:lstStyle/>
           <a:p>
-            <a:r>
-              <a:rPr lang="en-US" dirty="0"/>
+            <a:pPr marL="342900" indent="-342900" defTabSz="457200">
+              <a:spcBef>
+                <a:spcPts val="1000"/>
+              </a:spcBef>
+              <a:spcAft>
+                <a:spcPts val="0"/>
+              </a:spcAft>
+              <a:buClr>
+                <a:schemeClr val="accent1"/>
+              </a:buClr>
+              <a:buSzPct val="80000"/>
+              <a:buFont typeface="Wingdings 3" charset="2"/>
+              <a:buChar char=""/>
+            </a:pPr>
+            <a:r>
+              <a:rPr lang="en-US" sz="1800" dirty="0">
+                <a:solidFill>
+                  <a:schemeClr val="tx1">
+                    <a:lumMod val="75000"/>
+                    <a:lumOff val="25000"/>
+                  </a:schemeClr>
+                </a:solidFill>
+              </a:rPr>
               <a:t>Configurable via API Router</a:t>
             </a:r>
           </a:p>
           <a:p>
-            <a:r>
-              <a:rPr lang="en-US" dirty="0"/>
+            <a:pPr marL="342900" indent="-342900" defTabSz="457200">
+              <a:spcBef>
+                <a:spcPts val="1000"/>
+              </a:spcBef>
+              <a:spcAft>
+                <a:spcPts val="0"/>
+              </a:spcAft>
+              <a:buClr>
+                <a:schemeClr val="accent1"/>
+              </a:buClr>
+              <a:buSzPct val="80000"/>
+              <a:buFont typeface="Wingdings 3" charset="2"/>
+              <a:buChar char=""/>
+            </a:pPr>
+            <a:r>
+              <a:rPr lang="en-US" sz="1800" dirty="0">
+                <a:solidFill>
+                  <a:schemeClr val="tx1">
+                    <a:lumMod val="75000"/>
+                    <a:lumOff val="25000"/>
+                  </a:schemeClr>
+                </a:solidFill>
+              </a:rPr>
               <a:t>You can have additional OS firewall</a:t>
             </a:r>
           </a:p>
           <a:p>
-            <a:r>
-              <a:rPr lang="en-US" dirty="0"/>
+            <a:pPr marL="342900" indent="-342900" defTabSz="457200">
+              <a:spcBef>
+                <a:spcPts val="1000"/>
+              </a:spcBef>
+              <a:spcAft>
+                <a:spcPts val="0"/>
+              </a:spcAft>
+              <a:buClr>
+                <a:schemeClr val="accent1"/>
+              </a:buClr>
+              <a:buSzPct val="80000"/>
+              <a:buFont typeface="Wingdings 3" charset="2"/>
+              <a:buChar char=""/>
+            </a:pPr>
+            <a:r>
+              <a:rPr lang="en-US" sz="1800" dirty="0">
+                <a:solidFill>
+                  <a:schemeClr val="tx1">
+                    <a:lumMod val="75000"/>
+                    <a:lumOff val="25000"/>
+                  </a:schemeClr>
+                </a:solidFill>
+              </a:rPr>
               <a:t>Elastic Network Interface</a:t>
             </a:r>
           </a:p>
           <a:p>
-            <a:r>
-              <a:rPr lang="en-US" dirty="0"/>
+            <a:pPr marL="342900" indent="-342900" defTabSz="457200">
+              <a:spcBef>
+                <a:spcPts val="1000"/>
+              </a:spcBef>
+              <a:spcAft>
+                <a:spcPts val="0"/>
+              </a:spcAft>
+              <a:buClr>
+                <a:schemeClr val="accent1"/>
+              </a:buClr>
+              <a:buSzPct val="80000"/>
+              <a:buFont typeface="Wingdings 3" charset="2"/>
+              <a:buChar char=""/>
+            </a:pPr>
+            <a:r>
+              <a:rPr lang="en-US" sz="1800" dirty="0">
+                <a:solidFill>
+                  <a:schemeClr val="tx1">
+                    <a:lumMod val="75000"/>
+                    <a:lumOff val="25000"/>
+                  </a:schemeClr>
+                </a:solidFill>
+              </a:rPr>
               <a:t>Limit of 250 rules per interface</a:t>
             </a:r>
           </a:p>
           <a:p>
-            <a:r>
-              <a:rPr lang="en-US" dirty="0"/>
+            <a:pPr marL="342900" indent="-342900" defTabSz="457200">
+              <a:spcBef>
+                <a:spcPts val="1000"/>
+              </a:spcBef>
+              <a:spcAft>
+                <a:spcPts val="0"/>
+              </a:spcAft>
+              <a:buClr>
+                <a:schemeClr val="accent1"/>
+              </a:buClr>
+              <a:buSzPct val="80000"/>
+              <a:buFont typeface="Wingdings 3" charset="2"/>
+              <a:buChar char=""/>
+            </a:pPr>
+            <a:r>
+              <a:rPr lang="en-US" sz="1800" dirty="0">
+                <a:solidFill>
+                  <a:schemeClr val="tx1">
+                    <a:lumMod val="75000"/>
+                    <a:lumOff val="25000"/>
+                  </a:schemeClr>
+                </a:solidFill>
+              </a:rPr>
               <a:t>Defines Inbound and Outbound ports mapping</a:t>
             </a:r>
           </a:p>
@@ -8441,12 +9496,95 @@
           </a:p>
         </p:txBody>
       </p:sp>
+      <p:sp>
+        <p:nvSpPr>
+          <p:cNvPr id="18" name="Content Placeholder 1">
+            <a:extLst>
+              <a:ext uri="{FF2B5EF4-FFF2-40B4-BE49-F238E27FC236}">
+                <a16:creationId xmlns:a16="http://schemas.microsoft.com/office/drawing/2014/main" id="{83B283A2-FDF1-4F7B-876A-54134CE2715A}"/>
+              </a:ext>
+            </a:extLst>
+          </p:cNvPr>
+          <p:cNvSpPr>
+            <a:spLocks noGrp="1"/>
+          </p:cNvSpPr>
+          <p:nvPr>
+            <p:ph idx="1"/>
+          </p:nvPr>
+        </p:nvSpPr>
+        <p:spPr>
+          <a:xfrm>
+            <a:off x="480484" y="1439864"/>
+            <a:ext cx="11119104" cy="4511040"/>
+          </a:xfrm>
+        </p:spPr>
+        <p:txBody>
+          <a:bodyPr>
+            <a:normAutofit/>
+          </a:bodyPr>
+          <a:lstStyle/>
+          <a:p>
+            <a:r>
+              <a:rPr lang="en-US" dirty="0"/>
+              <a:t>VPC</a:t>
+            </a:r>
+          </a:p>
+          <a:p>
+            <a:r>
+              <a:rPr lang="en-US" dirty="0"/>
+              <a:t>Region</a:t>
+            </a:r>
+          </a:p>
+          <a:p>
+            <a:r>
+              <a:rPr lang="en-US" dirty="0"/>
+              <a:t>Availability zone</a:t>
+            </a:r>
+          </a:p>
+          <a:p>
+            <a:r>
+              <a:rPr lang="en-US" dirty="0"/>
+              <a:t>Private Net</a:t>
+            </a:r>
+          </a:p>
+          <a:p>
+            <a:r>
+              <a:rPr lang="en-US" dirty="0"/>
+              <a:t>Public Net</a:t>
+            </a:r>
+          </a:p>
+          <a:p>
+            <a:r>
+              <a:rPr lang="en-US" dirty="0"/>
+              <a:t>Subnet</a:t>
+            </a:r>
+          </a:p>
+          <a:p>
+            <a:r>
+              <a:rPr lang="en-US" dirty="0"/>
+              <a:t>NAT</a:t>
+            </a:r>
+          </a:p>
+          <a:p>
+            <a:r>
+              <a:rPr lang="en-US" dirty="0"/>
+              <a:t>Route 53 (DNS)</a:t>
+            </a:r>
+          </a:p>
+          <a:p>
+            <a:r>
+              <a:rPr lang="en-US" dirty="0"/>
+              <a:t>Route table</a:t>
+            </a:r>
+          </a:p>
+        </p:txBody>
+      </p:sp>
       <p:pic>
         <p:nvPicPr>
-          <p:cNvPr id="1026" name="Picture 2" descr="&#10;          A VPC with public and private subnets and a NAT gateway&#10;        ">
+          <p:cNvPr id="2" name="Picture 2">
             <a:extLst>
               <a:ext uri="{FF2B5EF4-FFF2-40B4-BE49-F238E27FC236}">
-                <a16:creationId xmlns:a16="http://schemas.microsoft.com/office/drawing/2014/main" id="{CA9E251D-7185-43BB-A64C-2B057911520E}"/>
+                <a16:creationId xmlns:a16="http://schemas.microsoft.com/office/drawing/2014/main" id="{780A3F9D-C8E4-4F69-9EDA-87AB1ED3847C}"/>
               </a:ext>
             </a:extLst>
           </p:cNvPr>
@@ -8470,8 +9608,8 @@
         </p:blipFill>
         <p:spPr bwMode="auto">
           <a:xfrm>
-            <a:off x="3460507" y="909318"/>
-            <a:ext cx="6655975" cy="5041586"/>
+            <a:off x="3961785" y="0"/>
+            <a:ext cx="5087937" cy="6858000"/>
           </a:xfrm>
           <a:prstGeom prst="rect">
             <a:avLst/>
@@ -8488,89 +9626,6 @@
           </a:extLst>
         </p:spPr>
       </p:pic>
-      <p:sp>
-        <p:nvSpPr>
-          <p:cNvPr id="18" name="Content Placeholder 1">
-            <a:extLst>
-              <a:ext uri="{FF2B5EF4-FFF2-40B4-BE49-F238E27FC236}">
-                <a16:creationId xmlns:a16="http://schemas.microsoft.com/office/drawing/2014/main" id="{83B283A2-FDF1-4F7B-876A-54134CE2715A}"/>
-              </a:ext>
-            </a:extLst>
-          </p:cNvPr>
-          <p:cNvSpPr>
-            <a:spLocks noGrp="1"/>
-          </p:cNvSpPr>
-          <p:nvPr>
-            <p:ph idx="1"/>
-          </p:nvPr>
-        </p:nvSpPr>
-        <p:spPr>
-          <a:xfrm>
-            <a:off x="480484" y="1439864"/>
-            <a:ext cx="11119104" cy="4511040"/>
-          </a:xfrm>
-        </p:spPr>
-        <p:txBody>
-          <a:bodyPr>
-            <a:normAutofit/>
-          </a:bodyPr>
-          <a:lstStyle/>
-          <a:p>
-            <a:r>
-              <a:rPr lang="en-US" dirty="0"/>
-              <a:t>VPC</a:t>
-            </a:r>
-          </a:p>
-          <a:p>
-            <a:r>
-              <a:rPr lang="en-US" dirty="0"/>
-              <a:t>Region</a:t>
-            </a:r>
-          </a:p>
-          <a:p>
-            <a:r>
-              <a:rPr lang="en-US" dirty="0"/>
-              <a:t>Availability zone</a:t>
-            </a:r>
-          </a:p>
-          <a:p>
-            <a:r>
-              <a:rPr lang="en-US" dirty="0"/>
-              <a:t>Private Net</a:t>
-            </a:r>
-          </a:p>
-          <a:p>
-            <a:r>
-              <a:rPr lang="en-US" dirty="0"/>
-              <a:t>Public Net</a:t>
-            </a:r>
-          </a:p>
-          <a:p>
-            <a:r>
-              <a:rPr lang="en-US" dirty="0"/>
-              <a:t>Subnet</a:t>
-            </a:r>
-          </a:p>
-          <a:p>
-            <a:r>
-              <a:rPr lang="en-US" dirty="0"/>
-              <a:t>NAT</a:t>
-            </a:r>
-          </a:p>
-          <a:p>
-            <a:r>
-              <a:rPr lang="en-US" dirty="0"/>
-              <a:t>Route 53 (DNS)</a:t>
-            </a:r>
-          </a:p>
-          <a:p>
-            <a:r>
-              <a:rPr lang="en-US" dirty="0"/>
-              <a:t>Route table</a:t>
-            </a:r>
-          </a:p>
-        </p:txBody>
-      </p:sp>
     </p:spTree>
     <p:extLst>
       <p:ext uri="{BB962C8B-B14F-4D97-AF65-F5344CB8AC3E}">
